--- a/chap1/chap1.pptx
+++ b/chap1/chap1.pptx
@@ -254,7 +254,7 @@
           <a:p>
             <a:fld id="{D68085D6-1328-4B2B-819C-F88929AD972D}" type="datetimeFigureOut">
               <a:rPr kumimoji="1" lang="ja-JP" altLang="en-US" smtClean="0"/>
-              <a:t>2020/2/15</a:t>
+              <a:t>2020/2/17</a:t>
             </a:fld>
             <a:endParaRPr kumimoji="1" lang="ja-JP" altLang="en-US"/>
           </a:p>
@@ -2463,7 +2463,7 @@
           <a:p>
             <a:fld id="{22CC9077-7E2A-4EEF-86B3-E4009BB8CF7C}" type="datetime1">
               <a:rPr kumimoji="1" lang="ja-JP" altLang="en-US" smtClean="0"/>
-              <a:t>2020/2/15</a:t>
+              <a:t>2020/2/17</a:t>
             </a:fld>
             <a:endParaRPr kumimoji="1" lang="ja-JP" altLang="en-US"/>
           </a:p>
@@ -2668,7 +2668,7 @@
           <a:p>
             <a:fld id="{2C2F973E-E95C-481F-8E59-3D6E4A401B9F}" type="datetime1">
               <a:rPr kumimoji="1" lang="ja-JP" altLang="en-US" smtClean="0"/>
-              <a:t>2020/2/15</a:t>
+              <a:t>2020/2/17</a:t>
             </a:fld>
             <a:endParaRPr kumimoji="1" lang="ja-JP" altLang="en-US"/>
           </a:p>
@@ -2883,7 +2883,7 @@
           <a:p>
             <a:fld id="{ACA78468-5ED2-482A-9F18-1EA5E6EA7654}" type="datetime1">
               <a:rPr kumimoji="1" lang="ja-JP" altLang="en-US" smtClean="0"/>
-              <a:t>2020/2/15</a:t>
+              <a:t>2020/2/17</a:t>
             </a:fld>
             <a:endParaRPr kumimoji="1" lang="ja-JP" altLang="en-US"/>
           </a:p>
@@ -3088,7 +3088,7 @@
           <a:p>
             <a:fld id="{AEFCBFF5-40B7-4C5F-B142-6C0FA3AFD3E3}" type="datetime1">
               <a:rPr kumimoji="1" lang="ja-JP" altLang="en-US" smtClean="0"/>
-              <a:t>2020/2/15</a:t>
+              <a:t>2020/2/17</a:t>
             </a:fld>
             <a:endParaRPr kumimoji="1" lang="ja-JP" altLang="en-US"/>
           </a:p>
@@ -3346,7 +3346,7 @@
           <a:p>
             <a:fld id="{76554254-FC82-45A8-B251-15B4351D92C8}" type="datetime1">
               <a:rPr kumimoji="1" lang="ja-JP" altLang="en-US" smtClean="0"/>
-              <a:t>2020/2/15</a:t>
+              <a:t>2020/2/17</a:t>
             </a:fld>
             <a:endParaRPr kumimoji="1" lang="ja-JP" altLang="en-US"/>
           </a:p>
@@ -3645,7 +3645,7 @@
           <a:p>
             <a:fld id="{B3866A04-7187-4F6D-82BB-780EC7214D9F}" type="datetime1">
               <a:rPr kumimoji="1" lang="ja-JP" altLang="en-US" smtClean="0"/>
-              <a:t>2020/2/15</a:t>
+              <a:t>2020/2/17</a:t>
             </a:fld>
             <a:endParaRPr kumimoji="1" lang="ja-JP" altLang="en-US"/>
           </a:p>
@@ -4079,7 +4079,7 @@
           <a:p>
             <a:fld id="{12D7102B-93FB-4E32-9D14-EF0510E2F3FC}" type="datetime1">
               <a:rPr kumimoji="1" lang="ja-JP" altLang="en-US" smtClean="0"/>
-              <a:t>2020/2/15</a:t>
+              <a:t>2020/2/17</a:t>
             </a:fld>
             <a:endParaRPr kumimoji="1" lang="ja-JP" altLang="en-US"/>
           </a:p>
@@ -4200,7 +4200,7 @@
           <a:p>
             <a:fld id="{13208B80-2514-43AE-98F5-1A51C5AD6E86}" type="datetime1">
               <a:rPr kumimoji="1" lang="ja-JP" altLang="en-US" smtClean="0"/>
-              <a:t>2020/2/15</a:t>
+              <a:t>2020/2/17</a:t>
             </a:fld>
             <a:endParaRPr kumimoji="1" lang="ja-JP" altLang="en-US"/>
           </a:p>
@@ -4298,7 +4298,7 @@
           <a:p>
             <a:fld id="{89481761-D134-44DD-8BFE-D3CFF1EEF109}" type="datetime1">
               <a:rPr kumimoji="1" lang="ja-JP" altLang="en-US" smtClean="0"/>
-              <a:t>2020/2/15</a:t>
+              <a:t>2020/2/17</a:t>
             </a:fld>
             <a:endParaRPr kumimoji="1" lang="ja-JP" altLang="en-US"/>
           </a:p>
@@ -4610,7 +4610,7 @@
           <a:p>
             <a:fld id="{1D4FACCE-A3BF-4BFE-863B-973E1948B531}" type="datetime1">
               <a:rPr kumimoji="1" lang="ja-JP" altLang="en-US" smtClean="0"/>
-              <a:t>2020/2/15</a:t>
+              <a:t>2020/2/17</a:t>
             </a:fld>
             <a:endParaRPr kumimoji="1" lang="ja-JP" altLang="en-US"/>
           </a:p>
@@ -4870,7 +4870,7 @@
           <a:p>
             <a:fld id="{C32B92FA-62C9-4A85-89B8-0AEB21D8340C}" type="datetime1">
               <a:rPr kumimoji="1" lang="ja-JP" altLang="en-US" smtClean="0"/>
-              <a:t>2020/2/15</a:t>
+              <a:t>2020/2/17</a:t>
             </a:fld>
             <a:endParaRPr kumimoji="1" lang="ja-JP" altLang="en-US"/>
           </a:p>
@@ -5118,7 +5118,7 @@
           <a:p>
             <a:fld id="{914B9C56-53C9-4005-8B76-D69FCD443085}" type="datetime1">
               <a:rPr kumimoji="1" lang="ja-JP" altLang="en-US" smtClean="0"/>
-              <a:t>2020/2/15</a:t>
+              <a:t>2020/2/17</a:t>
             </a:fld>
             <a:endParaRPr kumimoji="1" lang="ja-JP" altLang="en-US" dirty="0"/>
           </a:p>
@@ -5571,6 +5571,12 @@
               </a:rPr>
               <a:t>勉強会</a:t>
             </a:r>
+            <a:br>
+              <a:rPr lang="en-US" altLang="ja-JP" dirty="0">
+                <a:latin typeface="+mn-ea"/>
+                <a:ea typeface="+mn-ea"/>
+              </a:rPr>
+            </a:br>
             <a:endParaRPr kumimoji="1" lang="ja-JP" altLang="en-US" sz="4000" dirty="0">
               <a:latin typeface="+mn-ea"/>
               <a:ea typeface="+mn-ea"/>
@@ -5602,7 +5608,7 @@
         </p:spPr>
         <p:txBody>
           <a:bodyPr>
-            <a:normAutofit/>
+            <a:normAutofit fontScale="92500" lnSpcReduction="20000"/>
           </a:bodyPr>
           <a:lstStyle/>
           <a:p>
@@ -5652,6 +5658,28 @@
               </a:rPr>
               <a:t>　豊田 耀山</a:t>
             </a:r>
+            <a:endParaRPr lang="en-US" altLang="ja-JP" sz="2000" dirty="0">
+              <a:latin typeface="游明朝 Light" panose="02020300000000000000" pitchFamily="18" charset="-128"/>
+              <a:ea typeface="游明朝 Light" panose="02020300000000000000" pitchFamily="18" charset="-128"/>
+            </a:endParaRPr>
+          </a:p>
+          <a:p>
+            <a:r>
+              <a:rPr lang="ja-JP" altLang="en-US" sz="2000">
+                <a:latin typeface="+mn-ea"/>
+              </a:rPr>
+              <a:t>資料＆サンプルほか　</a:t>
+            </a:r>
+            <a:r>
+              <a:rPr lang="en-US" altLang="ja-JP" sz="2000">
+                <a:latin typeface="+mn-ea"/>
+              </a:rPr>
+              <a:t>https://bit.ly/2Hvy1UZ</a:t>
+            </a:r>
+            <a:endParaRPr lang="ja-JP" altLang="en-US" sz="2000" dirty="0">
+              <a:latin typeface="游明朝 Light" panose="02020300000000000000" pitchFamily="18" charset="-128"/>
+              <a:ea typeface="游明朝 Light" panose="02020300000000000000" pitchFamily="18" charset="-128"/>
+            </a:endParaRPr>
           </a:p>
         </p:txBody>
       </p:sp>
@@ -5762,8 +5790,8 @@
           </a:p>
         </p:txBody>
       </p:sp>
-      <mc:AlternateContent xmlns:mc="http://schemas.openxmlformats.org/markup-compatibility/2006">
-        <mc:Choice xmlns:a14="http://schemas.microsoft.com/office/drawing/2010/main" Requires="a14">
+      <mc:AlternateContent xmlns:mc="http://schemas.openxmlformats.org/markup-compatibility/2006" xmlns:a14="http://schemas.microsoft.com/office/drawing/2010/main">
+        <mc:Choice Requires="a14">
           <p:sp>
             <p:nvSpPr>
               <p:cNvPr id="3" name="コンテンツ プレースホルダー 2">
@@ -8360,7 +8388,7 @@
             </p:txBody>
           </p:sp>
         </mc:Choice>
-        <mc:Fallback>
+        <mc:Fallback xmlns="">
           <p:sp>
             <p:nvSpPr>
               <p:cNvPr id="3" name="コンテンツ プレースホルダー 2">
@@ -8508,8 +8536,8 @@
           </a:p>
         </p:txBody>
       </p:sp>
-      <mc:AlternateContent xmlns:mc="http://schemas.openxmlformats.org/markup-compatibility/2006">
-        <mc:Choice xmlns:a14="http://schemas.microsoft.com/office/drawing/2010/main" Requires="a14">
+      <mc:AlternateContent xmlns:mc="http://schemas.openxmlformats.org/markup-compatibility/2006" xmlns:a14="http://schemas.microsoft.com/office/drawing/2010/main">
+        <mc:Choice Requires="a14">
           <p:sp>
             <p:nvSpPr>
               <p:cNvPr id="3" name="コンテンツ プレースホルダー 2">
@@ -9571,7 +9599,7 @@
             </p:txBody>
           </p:sp>
         </mc:Choice>
-        <mc:Fallback>
+        <mc:Fallback xmlns="">
           <p:sp>
             <p:nvSpPr>
               <p:cNvPr id="3" name="コンテンツ プレースホルダー 2">
@@ -9719,8 +9747,8 @@
           </a:p>
         </p:txBody>
       </p:sp>
-      <mc:AlternateContent xmlns:mc="http://schemas.openxmlformats.org/markup-compatibility/2006">
-        <mc:Choice xmlns:a14="http://schemas.microsoft.com/office/drawing/2010/main" Requires="a14">
+      <mc:AlternateContent xmlns:mc="http://schemas.openxmlformats.org/markup-compatibility/2006" xmlns:a14="http://schemas.microsoft.com/office/drawing/2010/main">
+        <mc:Choice Requires="a14">
           <p:sp>
             <p:nvSpPr>
               <p:cNvPr id="3" name="コンテンツ プレースホルダー 2">
@@ -11234,7 +11262,7 @@
             </p:txBody>
           </p:sp>
         </mc:Choice>
-        <mc:Fallback>
+        <mc:Fallback xmlns="">
           <p:sp>
             <p:nvSpPr>
               <p:cNvPr id="3" name="コンテンツ プレースホルダー 2">
@@ -11382,8 +11410,8 @@
           </a:p>
         </p:txBody>
       </p:sp>
-      <mc:AlternateContent xmlns:mc="http://schemas.openxmlformats.org/markup-compatibility/2006">
-        <mc:Choice xmlns:a14="http://schemas.microsoft.com/office/drawing/2010/main" Requires="a14">
+      <mc:AlternateContent xmlns:mc="http://schemas.openxmlformats.org/markup-compatibility/2006" xmlns:a14="http://schemas.microsoft.com/office/drawing/2010/main">
+        <mc:Choice Requires="a14">
           <p:sp>
             <p:nvSpPr>
               <p:cNvPr id="3" name="コンテンツ プレースホルダー 2">
@@ -13727,7 +13755,7 @@
             </p:txBody>
           </p:sp>
         </mc:Choice>
-        <mc:Fallback>
+        <mc:Fallback xmlns="">
           <p:sp>
             <p:nvSpPr>
               <p:cNvPr id="3" name="コンテンツ プレースホルダー 2">
@@ -13875,8 +13903,8 @@
           </a:p>
         </p:txBody>
       </p:sp>
-      <mc:AlternateContent xmlns:mc="http://schemas.openxmlformats.org/markup-compatibility/2006">
-        <mc:Choice xmlns:a14="http://schemas.microsoft.com/office/drawing/2010/main" Requires="a14">
+      <mc:AlternateContent xmlns:mc="http://schemas.openxmlformats.org/markup-compatibility/2006" xmlns:a14="http://schemas.microsoft.com/office/drawing/2010/main">
+        <mc:Choice Requires="a14">
           <p:sp>
             <p:nvSpPr>
               <p:cNvPr id="3" name="コンテンツ プレースホルダー 2">
@@ -14373,14 +14401,7 @@
                                       <a:latin typeface="Cambria Math" panose="02040503050406030204" pitchFamily="18" charset="0"/>
                                       <a:ea typeface="游明朝" panose="02020400000000000000" pitchFamily="18" charset="-128"/>
                                     </a:rPr>
-                                    <m:t>𝑖</m:t>
-                                  </m:r>
-                                  <m:r>
-                                    <a:rPr lang="en-US" altLang="ja-JP" sz="2000" b="0" i="1" smtClean="0">
-                                      <a:latin typeface="Cambria Math" panose="02040503050406030204" pitchFamily="18" charset="0"/>
-                                      <a:ea typeface="游明朝" panose="02020400000000000000" pitchFamily="18" charset="-128"/>
-                                    </a:rPr>
-                                    <m:t>𝑗</m:t>
+                                    <m:t>𝑖𝑗</m:t>
                                   </m:r>
                                 </m:sub>
                                 <m:sup>
@@ -14431,14 +14452,7 @@
                                       <a:latin typeface="Cambria Math" panose="02040503050406030204" pitchFamily="18" charset="0"/>
                                       <a:ea typeface="游明朝" panose="02020400000000000000" pitchFamily="18" charset="-128"/>
                                     </a:rPr>
-                                    <m:t>𝑖</m:t>
-                                  </m:r>
-                                  <m:r>
-                                    <a:rPr lang="en-US" altLang="ja-JP" sz="2000" b="0" i="1" smtClean="0">
-                                      <a:latin typeface="Cambria Math" panose="02040503050406030204" pitchFamily="18" charset="0"/>
-                                      <a:ea typeface="游明朝" panose="02020400000000000000" pitchFamily="18" charset="-128"/>
-                                    </a:rPr>
-                                    <m:t>𝑗</m:t>
+                                    <m:t>𝑖𝑗</m:t>
                                   </m:r>
                                 </m:sub>
                                 <m:sup>
@@ -14660,14 +14674,7 @@
                               <a:latin typeface="Cambria Math" panose="02040503050406030204" pitchFamily="18" charset="0"/>
                               <a:ea typeface="游明朝" panose="02020400000000000000" pitchFamily="18" charset="-128"/>
                             </a:rPr>
-                            <m:t>𝑖</m:t>
-                          </m:r>
-                          <m:r>
-                            <a:rPr lang="en-US" altLang="ja-JP" sz="2000" i="1">
-                              <a:latin typeface="Cambria Math" panose="02040503050406030204" pitchFamily="18" charset="0"/>
-                              <a:ea typeface="游明朝" panose="02020400000000000000" pitchFamily="18" charset="-128"/>
-                            </a:rPr>
-                            <m:t>𝑗</m:t>
+                            <m:t>𝑖𝑗</m:t>
                           </m:r>
                         </m:sub>
                         <m:sup>
@@ -15030,14 +15037,7 @@
                               <a:latin typeface="Cambria Math" panose="02040503050406030204" pitchFamily="18" charset="0"/>
                               <a:ea typeface="游明朝" panose="02020400000000000000" pitchFamily="18" charset="-128"/>
                             </a:rPr>
-                            <m:t>𝑖</m:t>
-                          </m:r>
-                          <m:r>
-                            <a:rPr lang="en-US" altLang="ja-JP" sz="2000" i="1">
-                              <a:latin typeface="Cambria Math" panose="02040503050406030204" pitchFamily="18" charset="0"/>
-                              <a:ea typeface="游明朝" panose="02020400000000000000" pitchFamily="18" charset="-128"/>
-                            </a:rPr>
-                            <m:t>𝑗</m:t>
+                            <m:t>𝑖𝑗</m:t>
                           </m:r>
                         </m:sub>
                         <m:sup>
@@ -16113,7 +16113,7 @@
             </p:txBody>
           </p:sp>
         </mc:Choice>
-        <mc:Fallback>
+        <mc:Fallback xmlns="">
           <p:sp>
             <p:nvSpPr>
               <p:cNvPr id="3" name="コンテンツ プレースホルダー 2">
@@ -16261,8 +16261,8 @@
           </a:p>
         </p:txBody>
       </p:sp>
-      <mc:AlternateContent xmlns:mc="http://schemas.openxmlformats.org/markup-compatibility/2006">
-        <mc:Choice xmlns:a14="http://schemas.microsoft.com/office/drawing/2010/main" Requires="a14">
+      <mc:AlternateContent xmlns:mc="http://schemas.openxmlformats.org/markup-compatibility/2006" xmlns:a14="http://schemas.microsoft.com/office/drawing/2010/main">
+        <mc:Choice Requires="a14">
           <p:sp>
             <p:nvSpPr>
               <p:cNvPr id="3" name="コンテンツ プレースホルダー 2">
@@ -18710,7 +18710,7 @@
             </p:txBody>
           </p:sp>
         </mc:Choice>
-        <mc:Fallback>
+        <mc:Fallback xmlns="">
           <p:sp>
             <p:nvSpPr>
               <p:cNvPr id="3" name="コンテンツ プレースホルダー 2">
@@ -18850,8 +18850,8 @@
           </a:p>
         </p:txBody>
       </p:sp>
-      <mc:AlternateContent xmlns:mc="http://schemas.openxmlformats.org/markup-compatibility/2006">
-        <mc:Choice xmlns:a14="http://schemas.microsoft.com/office/drawing/2010/main" Requires="a14">
+      <mc:AlternateContent xmlns:mc="http://schemas.openxmlformats.org/markup-compatibility/2006" xmlns:a14="http://schemas.microsoft.com/office/drawing/2010/main">
+        <mc:Choice Requires="a14">
           <p:sp>
             <p:nvSpPr>
               <p:cNvPr id="3" name="コンテンツ プレースホルダー 2">
@@ -19617,7 +19617,7 @@
             </p:txBody>
           </p:sp>
         </mc:Choice>
-        <mc:Fallback>
+        <mc:Fallback xmlns="">
           <p:sp>
             <p:nvSpPr>
               <p:cNvPr id="3" name="コンテンツ プレースホルダー 2">
@@ -19793,8 +19793,8 @@
           </a:p>
         </p:txBody>
       </p:sp>
-      <mc:AlternateContent xmlns:mc="http://schemas.openxmlformats.org/markup-compatibility/2006">
-        <mc:Choice xmlns:a14="http://schemas.microsoft.com/office/drawing/2010/main" Requires="a14">
+      <mc:AlternateContent xmlns:mc="http://schemas.openxmlformats.org/markup-compatibility/2006" xmlns:a14="http://schemas.microsoft.com/office/drawing/2010/main">
+        <mc:Choice Requires="a14">
           <p:sp>
             <p:nvSpPr>
               <p:cNvPr id="3" name="コンテンツ プレースホルダー 2">
@@ -19889,14 +19889,7 @@
                             <a:latin typeface="Cambria Math" panose="02040503050406030204" pitchFamily="18" charset="0"/>
                             <a:ea typeface="游明朝" panose="02020400000000000000" pitchFamily="18" charset="-128"/>
                           </a:rPr>
-                          <m:t>𝜕</m:t>
-                        </m:r>
-                        <m:r>
-                          <a:rPr lang="en-US" altLang="ja-JP" sz="2000" i="1">
-                            <a:latin typeface="Cambria Math" panose="02040503050406030204" pitchFamily="18" charset="0"/>
-                            <a:ea typeface="游明朝" panose="02020400000000000000" pitchFamily="18" charset="-128"/>
-                          </a:rPr>
-                          <m:t>𝜙</m:t>
+                          <m:t>𝜕𝜙</m:t>
                         </m:r>
                       </m:num>
                       <m:den>
@@ -20366,14 +20359,14 @@
                         <a:latin typeface="Cambria Math" panose="02040503050406030204" pitchFamily="18" charset="0"/>
                         <a:ea typeface="游明朝" panose="02020400000000000000" pitchFamily="18" charset="-128"/>
                       </a:rPr>
-                      <m:t>={0.2</m:t>
+                      <m:t>={0.25,0.5,1.</m:t>
                     </m:r>
                     <m:r>
                       <a:rPr lang="en-US" altLang="ja-JP" sz="2000" b="0" i="1" smtClean="0">
                         <a:latin typeface="Cambria Math" panose="02040503050406030204" pitchFamily="18" charset="0"/>
                         <a:ea typeface="游明朝" panose="02020400000000000000" pitchFamily="18" charset="-128"/>
                       </a:rPr>
-                      <m:t>5,0.5,1.0,2.0}</m:t>
+                      <m:t>0,2.0}</m:t>
                     </m:r>
                   </m:oMath>
                 </a14:m>
@@ -21053,14 +21046,7 @@
                             <a:latin typeface="Cambria Math" panose="02040503050406030204" pitchFamily="18" charset="0"/>
                             <a:ea typeface="游明朝" panose="02020400000000000000" pitchFamily="18" charset="-128"/>
                           </a:rPr>
-                          <m:t>,</m:t>
-                        </m:r>
-                        <m:r>
-                          <a:rPr lang="en-US" altLang="ja-JP" sz="2000" i="1">
-                            <a:latin typeface="Cambria Math" panose="02040503050406030204" pitchFamily="18" charset="0"/>
-                            <a:ea typeface="游明朝" panose="02020400000000000000" pitchFamily="18" charset="-128"/>
-                          </a:rPr>
-                          <m:t> </m:t>
+                          <m:t>, </m:t>
                         </m:r>
                         <m:r>
                           <a:rPr lang="en-US" altLang="ja-JP" sz="2000" b="0" i="1" smtClean="0">
@@ -21167,7 +21153,7 @@
             </p:txBody>
           </p:sp>
         </mc:Choice>
-        <mc:Fallback>
+        <mc:Fallback xmlns="">
           <p:sp>
             <p:nvSpPr>
               <p:cNvPr id="3" name="コンテンツ プレースホルダー 2">
@@ -21315,8 +21301,8 @@
           </a:p>
         </p:txBody>
       </p:sp>
-      <mc:AlternateContent xmlns:mc="http://schemas.openxmlformats.org/markup-compatibility/2006">
-        <mc:Choice xmlns:a14="http://schemas.microsoft.com/office/drawing/2010/main" Requires="a14">
+      <mc:AlternateContent xmlns:mc="http://schemas.openxmlformats.org/markup-compatibility/2006" xmlns:a14="http://schemas.microsoft.com/office/drawing/2010/main">
+        <mc:Choice Requires="a14">
           <p:sp>
             <p:nvSpPr>
               <p:cNvPr id="3" name="コンテンツ プレースホルダー 2">
@@ -21817,14 +21803,7 @@
                           <a:latin typeface="Cambria Math" panose="02040503050406030204" pitchFamily="18" charset="0"/>
                           <a:ea typeface="游明朝" panose="02020400000000000000" pitchFamily="18" charset="-128"/>
                         </a:rPr>
-                        <m:t>𝑛𝑑</m:t>
-                      </m:r>
-                      <m:r>
-                        <a:rPr lang="en-US" altLang="ja-JP" sz="2000" b="0" i="1" smtClean="0">
-                          <a:latin typeface="Cambria Math" panose="02040503050406030204" pitchFamily="18" charset="0"/>
-                          <a:ea typeface="游明朝" panose="02020400000000000000" pitchFamily="18" charset="-128"/>
-                        </a:rPr>
-                        <m:t>𝑆</m:t>
+                        <m:t>𝑛𝑑𝑆</m:t>
                       </m:r>
                       <m:r>
                         <a:rPr lang="en-US" altLang="ja-JP" sz="2000" b="0" i="1" smtClean="0">
@@ -22581,14 +22560,7 @@
                                           <a:latin typeface="Cambria Math" panose="02040503050406030204" pitchFamily="18" charset="0"/>
                                           <a:ea typeface="游明朝" panose="02020400000000000000" pitchFamily="18" charset="-128"/>
                                         </a:rPr>
-                                        <m:t>𝜕</m:t>
-                                      </m:r>
-                                      <m:r>
-                                        <a:rPr lang="en-US" altLang="ja-JP" sz="2000" i="1">
-                                          <a:latin typeface="Cambria Math" panose="02040503050406030204" pitchFamily="18" charset="0"/>
-                                          <a:ea typeface="游明朝" panose="02020400000000000000" pitchFamily="18" charset="-128"/>
-                                        </a:rPr>
-                                        <m:t>𝜙</m:t>
+                                        <m:t>𝜕𝜙</m:t>
                                       </m:r>
                                     </m:num>
                                     <m:den>
@@ -23385,14 +23357,7 @@
                               <a:latin typeface="Cambria Math" panose="02040503050406030204" pitchFamily="18" charset="0"/>
                               <a:ea typeface="游明朝" panose="02020400000000000000" pitchFamily="18" charset="-128"/>
                             </a:rPr>
-                            <m:t>1)</m:t>
-                          </m:r>
-                          <m:r>
-                            <a:rPr lang="en-US" altLang="ja-JP" sz="2000" i="1">
-                              <a:latin typeface="Cambria Math" panose="02040503050406030204" pitchFamily="18" charset="0"/>
-                              <a:ea typeface="游明朝" panose="02020400000000000000" pitchFamily="18" charset="-128"/>
-                            </a:rPr>
-                            <m:t>∆</m:t>
+                            <m:t>1)∆</m:t>
                           </m:r>
                           <m:sSub>
                             <m:sSubPr>
@@ -24937,7 +24902,7 @@
             </p:txBody>
           </p:sp>
         </mc:Choice>
-        <mc:Fallback>
+        <mc:Fallback xmlns="">
           <p:sp>
             <p:nvSpPr>
               <p:cNvPr id="3" name="コンテンツ プレースホルダー 2">
@@ -25010,8 +24975,8 @@
           </a:p>
         </p:txBody>
       </p:sp>
-      <mc:AlternateContent xmlns:mc="http://schemas.openxmlformats.org/markup-compatibility/2006">
-        <mc:Choice xmlns:a14="http://schemas.microsoft.com/office/drawing/2010/main" Requires="a14">
+      <mc:AlternateContent xmlns:mc="http://schemas.openxmlformats.org/markup-compatibility/2006" xmlns:a14="http://schemas.microsoft.com/office/drawing/2010/main">
+        <mc:Choice Requires="a14">
           <p:sp>
             <p:nvSpPr>
               <p:cNvPr id="5" name="テキスト ボックス 4">
@@ -25302,7 +25267,7 @@
             </p:txBody>
           </p:sp>
         </mc:Choice>
-        <mc:Fallback>
+        <mc:Fallback xmlns="">
           <p:sp>
             <p:nvSpPr>
               <p:cNvPr id="5" name="テキスト ボックス 4">
@@ -25876,7 +25841,7 @@
                     <a:latin typeface="游明朝" panose="02020400000000000000" pitchFamily="18" charset="-128"/>
                     <a:ea typeface="游明朝" panose="02020400000000000000" pitchFamily="18" charset="-128"/>
                   </a:rPr>
-                  <a:t>方程式（宇宙流体）</a:t>
+                  <a:t>方程式（大気上層）</a:t>
                 </a:r>
                 <a:endParaRPr lang="en-US" altLang="ja-JP" sz="2400" dirty="0">
                   <a:latin typeface="游明朝" panose="02020400000000000000" pitchFamily="18" charset="-128"/>
@@ -26428,8 +26393,8 @@
           </a:p>
         </p:txBody>
       </p:sp>
-      <mc:AlternateContent xmlns:mc="http://schemas.openxmlformats.org/markup-compatibility/2006">
-        <mc:Choice xmlns:a14="http://schemas.microsoft.com/office/drawing/2010/main" Requires="a14">
+      <mc:AlternateContent xmlns:mc="http://schemas.openxmlformats.org/markup-compatibility/2006" xmlns:a14="http://schemas.microsoft.com/office/drawing/2010/main">
+        <mc:Choice Requires="a14">
           <p:sp>
             <p:nvSpPr>
               <p:cNvPr id="3" name="コンテンツ プレースホルダー 2">
@@ -26470,111 +26435,153 @@
                       <m:f>
                         <m:fPr>
                           <m:ctrlPr>
-                            <a:rPr lang="ja-JP" altLang="ja-JP" i="1" smtClean="0"/>
+                            <a:rPr lang="ja-JP" altLang="ja-JP" i="1" smtClean="0">
+                              <a:latin typeface="Cambria Math" panose="02040503050406030204" pitchFamily="18" charset="0"/>
+                            </a:rPr>
                           </m:ctrlPr>
                         </m:fPr>
                         <m:num>
                           <m:r>
-                            <a:rPr lang="en-US" altLang="ja-JP" i="1"/>
+                            <a:rPr lang="en-US" altLang="ja-JP" i="1">
+                              <a:latin typeface="Cambria Math" panose="02040503050406030204" pitchFamily="18" charset="0"/>
+                            </a:rPr>
                             <m:t>𝜕</m:t>
                           </m:r>
                           <m:r>
-                            <a:rPr lang="en-US" altLang="ja-JP" b="1" i="1"/>
+                            <a:rPr lang="en-US" altLang="ja-JP" b="1" i="1">
+                              <a:latin typeface="Cambria Math" panose="02040503050406030204" pitchFamily="18" charset="0"/>
+                            </a:rPr>
                             <m:t>𝑸</m:t>
                           </m:r>
                         </m:num>
                         <m:den>
                           <m:r>
-                            <a:rPr lang="en-US" altLang="ja-JP" i="1"/>
+                            <a:rPr lang="en-US" altLang="ja-JP" i="1">
+                              <a:latin typeface="Cambria Math" panose="02040503050406030204" pitchFamily="18" charset="0"/>
+                            </a:rPr>
                             <m:t>𝜕</m:t>
                           </m:r>
                           <m:r>
-                            <a:rPr lang="en-US" altLang="ja-JP" i="1"/>
+                            <a:rPr lang="en-US" altLang="ja-JP" i="1">
+                              <a:latin typeface="Cambria Math" panose="02040503050406030204" pitchFamily="18" charset="0"/>
+                            </a:rPr>
                             <m:t>𝑡</m:t>
                           </m:r>
                         </m:den>
                       </m:f>
                       <m:r>
-                        <a:rPr lang="en-US" altLang="ja-JP" i="1"/>
+                        <a:rPr lang="en-US" altLang="ja-JP" i="1">
+                          <a:latin typeface="Cambria Math" panose="02040503050406030204" pitchFamily="18" charset="0"/>
+                        </a:rPr>
                         <m:t>+</m:t>
                       </m:r>
                       <m:f>
                         <m:fPr>
                           <m:ctrlPr>
-                            <a:rPr lang="ja-JP" altLang="ja-JP" i="1"/>
+                            <a:rPr lang="ja-JP" altLang="ja-JP" i="1">
+                              <a:latin typeface="Cambria Math" panose="02040503050406030204" pitchFamily="18" charset="0"/>
+                            </a:rPr>
                           </m:ctrlPr>
                         </m:fPr>
                         <m:num>
                           <m:r>
-                            <a:rPr lang="en-US" altLang="ja-JP" i="1"/>
+                            <a:rPr lang="en-US" altLang="ja-JP" i="1">
+                              <a:latin typeface="Cambria Math" panose="02040503050406030204" pitchFamily="18" charset="0"/>
+                            </a:rPr>
                             <m:t>𝜕</m:t>
                           </m:r>
                           <m:r>
-                            <a:rPr lang="en-US" altLang="ja-JP" b="1" i="1"/>
+                            <a:rPr lang="en-US" altLang="ja-JP" b="1" i="1">
+                              <a:latin typeface="Cambria Math" panose="02040503050406030204" pitchFamily="18" charset="0"/>
+                            </a:rPr>
                             <m:t>𝑬</m:t>
                           </m:r>
                         </m:num>
                         <m:den>
                           <m:r>
-                            <a:rPr lang="en-US" altLang="ja-JP" i="1"/>
+                            <a:rPr lang="en-US" altLang="ja-JP" i="1">
+                              <a:latin typeface="Cambria Math" panose="02040503050406030204" pitchFamily="18" charset="0"/>
+                            </a:rPr>
                             <m:t>𝜕</m:t>
                           </m:r>
                           <m:r>
-                            <a:rPr lang="en-US" altLang="ja-JP" i="1"/>
+                            <a:rPr lang="en-US" altLang="ja-JP" i="1">
+                              <a:latin typeface="Cambria Math" panose="02040503050406030204" pitchFamily="18" charset="0"/>
+                            </a:rPr>
                             <m:t>𝑥</m:t>
                           </m:r>
                         </m:den>
                       </m:f>
                       <m:r>
-                        <a:rPr lang="en-US" altLang="ja-JP" i="1"/>
+                        <a:rPr lang="en-US" altLang="ja-JP" i="1">
+                          <a:latin typeface="Cambria Math" panose="02040503050406030204" pitchFamily="18" charset="0"/>
+                        </a:rPr>
                         <m:t>+</m:t>
                       </m:r>
                       <m:f>
                         <m:fPr>
                           <m:ctrlPr>
-                            <a:rPr lang="ja-JP" altLang="ja-JP" i="1"/>
+                            <a:rPr lang="ja-JP" altLang="ja-JP" i="1">
+                              <a:latin typeface="Cambria Math" panose="02040503050406030204" pitchFamily="18" charset="0"/>
+                            </a:rPr>
                           </m:ctrlPr>
                         </m:fPr>
                         <m:num>
                           <m:r>
-                            <a:rPr lang="en-US" altLang="ja-JP" i="1"/>
+                            <a:rPr lang="en-US" altLang="ja-JP" i="1">
+                              <a:latin typeface="Cambria Math" panose="02040503050406030204" pitchFamily="18" charset="0"/>
+                            </a:rPr>
                             <m:t>𝜕</m:t>
                           </m:r>
                           <m:r>
-                            <a:rPr lang="en-US" altLang="ja-JP" b="1" i="1"/>
+                            <a:rPr lang="en-US" altLang="ja-JP" b="1" i="1">
+                              <a:latin typeface="Cambria Math" panose="02040503050406030204" pitchFamily="18" charset="0"/>
+                            </a:rPr>
                             <m:t>𝑭</m:t>
                           </m:r>
                         </m:num>
                         <m:den>
                           <m:r>
-                            <a:rPr lang="en-US" altLang="ja-JP" i="1"/>
+                            <a:rPr lang="en-US" altLang="ja-JP" i="1">
+                              <a:latin typeface="Cambria Math" panose="02040503050406030204" pitchFamily="18" charset="0"/>
+                            </a:rPr>
                             <m:t>𝜕</m:t>
                           </m:r>
                           <m:r>
-                            <a:rPr lang="en-US" altLang="ja-JP" i="1"/>
+                            <a:rPr lang="en-US" altLang="ja-JP" i="1">
+                              <a:latin typeface="Cambria Math" panose="02040503050406030204" pitchFamily="18" charset="0"/>
+                            </a:rPr>
                             <m:t>𝑦</m:t>
                           </m:r>
                         </m:den>
                       </m:f>
                       <m:r>
-                        <a:rPr lang="en-US" altLang="ja-JP" i="1"/>
+                        <a:rPr lang="en-US" altLang="ja-JP" i="1">
+                          <a:latin typeface="Cambria Math" panose="02040503050406030204" pitchFamily="18" charset="0"/>
+                        </a:rPr>
                         <m:t>=</m:t>
                       </m:r>
                       <m:f>
                         <m:fPr>
                           <m:ctrlPr>
-                            <a:rPr lang="ja-JP" altLang="ja-JP" i="1"/>
+                            <a:rPr lang="ja-JP" altLang="ja-JP" i="1">
+                              <a:latin typeface="Cambria Math" panose="02040503050406030204" pitchFamily="18" charset="0"/>
+                            </a:rPr>
                           </m:ctrlPr>
                         </m:fPr>
                         <m:num>
                           <m:r>
-                            <a:rPr lang="en-US" altLang="ja-JP" i="1"/>
+                            <a:rPr lang="en-US" altLang="ja-JP" i="1">
+                              <a:latin typeface="Cambria Math" panose="02040503050406030204" pitchFamily="18" charset="0"/>
+                            </a:rPr>
                             <m:t>1</m:t>
                           </m:r>
                         </m:num>
                         <m:den>
                           <m:r>
-                            <a:rPr lang="en-US" altLang="ja-JP" i="1"/>
+                            <a:rPr lang="en-US" altLang="ja-JP" i="1">
+                              <a:latin typeface="Cambria Math" panose="02040503050406030204" pitchFamily="18" charset="0"/>
+                            </a:rPr>
                             <m:t>𝑅𝑒</m:t>
                           </m:r>
                         </m:den>
@@ -26582,36 +26589,48 @@
                       <m:d>
                         <m:dPr>
                           <m:ctrlPr>
-                            <a:rPr lang="ja-JP" altLang="ja-JP" i="1"/>
+                            <a:rPr lang="ja-JP" altLang="ja-JP" i="1">
+                              <a:latin typeface="Cambria Math" panose="02040503050406030204" pitchFamily="18" charset="0"/>
+                            </a:rPr>
                           </m:ctrlPr>
                         </m:dPr>
                         <m:e>
                           <m:f>
                             <m:fPr>
                               <m:ctrlPr>
-                                <a:rPr lang="ja-JP" altLang="ja-JP" i="1"/>
+                                <a:rPr lang="ja-JP" altLang="ja-JP" i="1">
+                                  <a:latin typeface="Cambria Math" panose="02040503050406030204" pitchFamily="18" charset="0"/>
+                                </a:rPr>
                               </m:ctrlPr>
                             </m:fPr>
                             <m:num>
                               <m:r>
-                                <a:rPr lang="en-US" altLang="ja-JP" i="1"/>
+                                <a:rPr lang="en-US" altLang="ja-JP" i="1">
+                                  <a:latin typeface="Cambria Math" panose="02040503050406030204" pitchFamily="18" charset="0"/>
+                                </a:rPr>
                                 <m:t>𝜕</m:t>
                               </m:r>
                               <m:sSub>
                                 <m:sSubPr>
                                   <m:ctrlPr>
-                                    <a:rPr lang="ja-JP" altLang="ja-JP" i="1"/>
+                                    <a:rPr lang="ja-JP" altLang="ja-JP" i="1">
+                                      <a:latin typeface="Cambria Math" panose="02040503050406030204" pitchFamily="18" charset="0"/>
+                                    </a:rPr>
                                   </m:ctrlPr>
                                 </m:sSubPr>
                                 <m:e>
                                   <m:r>
-                                    <a:rPr lang="en-US" altLang="ja-JP" b="1" i="1"/>
+                                    <a:rPr lang="en-US" altLang="ja-JP" b="1" i="1">
+                                      <a:latin typeface="Cambria Math" panose="02040503050406030204" pitchFamily="18" charset="0"/>
+                                    </a:rPr>
                                     <m:t>𝑬</m:t>
                                   </m:r>
                                 </m:e>
                                 <m:sub>
                                   <m:r>
-                                    <a:rPr lang="en-US" altLang="ja-JP" i="1"/>
+                                    <a:rPr lang="en-US" altLang="ja-JP" i="1">
+                                      <a:latin typeface="Cambria Math" panose="02040503050406030204" pitchFamily="18" charset="0"/>
+                                    </a:rPr>
                                     <m:t>𝑣</m:t>
                                   </m:r>
                                 </m:sub>
@@ -26619,45 +26638,61 @@
                             </m:num>
                             <m:den>
                               <m:r>
-                                <a:rPr lang="en-US" altLang="ja-JP" i="1"/>
+                                <a:rPr lang="en-US" altLang="ja-JP" i="1">
+                                  <a:latin typeface="Cambria Math" panose="02040503050406030204" pitchFamily="18" charset="0"/>
+                                </a:rPr>
                                 <m:t>𝜕</m:t>
                               </m:r>
                               <m:r>
-                                <a:rPr lang="en-US" altLang="ja-JP" i="1"/>
+                                <a:rPr lang="en-US" altLang="ja-JP" i="1">
+                                  <a:latin typeface="Cambria Math" panose="02040503050406030204" pitchFamily="18" charset="0"/>
+                                </a:rPr>
                                 <m:t>𝑥</m:t>
                               </m:r>
                             </m:den>
                           </m:f>
                           <m:r>
-                            <a:rPr lang="en-US" altLang="ja-JP" i="1"/>
+                            <a:rPr lang="en-US" altLang="ja-JP" i="1">
+                              <a:latin typeface="Cambria Math" panose="02040503050406030204" pitchFamily="18" charset="0"/>
+                            </a:rPr>
                             <m:t>+</m:t>
                           </m:r>
                           <m:f>
                             <m:fPr>
                               <m:ctrlPr>
-                                <a:rPr lang="ja-JP" altLang="ja-JP" i="1"/>
+                                <a:rPr lang="ja-JP" altLang="ja-JP" i="1">
+                                  <a:latin typeface="Cambria Math" panose="02040503050406030204" pitchFamily="18" charset="0"/>
+                                </a:rPr>
                               </m:ctrlPr>
                             </m:fPr>
                             <m:num>
                               <m:r>
-                                <a:rPr lang="en-US" altLang="ja-JP" i="1"/>
+                                <a:rPr lang="en-US" altLang="ja-JP" i="1">
+                                  <a:latin typeface="Cambria Math" panose="02040503050406030204" pitchFamily="18" charset="0"/>
+                                </a:rPr>
                                 <m:t>𝜕</m:t>
                               </m:r>
                               <m:sSub>
                                 <m:sSubPr>
                                   <m:ctrlPr>
-                                    <a:rPr lang="ja-JP" altLang="ja-JP" i="1"/>
+                                    <a:rPr lang="ja-JP" altLang="ja-JP" i="1">
+                                      <a:latin typeface="Cambria Math" panose="02040503050406030204" pitchFamily="18" charset="0"/>
+                                    </a:rPr>
                                   </m:ctrlPr>
                                 </m:sSubPr>
                                 <m:e>
                                   <m:r>
-                                    <a:rPr lang="en-US" altLang="ja-JP" b="1" i="1"/>
+                                    <a:rPr lang="en-US" altLang="ja-JP" b="1" i="1">
+                                      <a:latin typeface="Cambria Math" panose="02040503050406030204" pitchFamily="18" charset="0"/>
+                                    </a:rPr>
                                     <m:t>𝑭</m:t>
                                   </m:r>
                                 </m:e>
                                 <m:sub>
                                   <m:r>
-                                    <a:rPr lang="en-US" altLang="ja-JP" i="1"/>
+                                    <a:rPr lang="en-US" altLang="ja-JP" i="1">
+                                      <a:latin typeface="Cambria Math" panose="02040503050406030204" pitchFamily="18" charset="0"/>
+                                    </a:rPr>
                                     <m:t>𝑣</m:t>
                                   </m:r>
                                 </m:sub>
@@ -26665,11 +26700,15 @@
                             </m:num>
                             <m:den>
                               <m:r>
-                                <a:rPr lang="en-US" altLang="ja-JP" i="1"/>
+                                <a:rPr lang="en-US" altLang="ja-JP" i="1">
+                                  <a:latin typeface="Cambria Math" panose="02040503050406030204" pitchFamily="18" charset="0"/>
+                                </a:rPr>
                                 <m:t>𝜕</m:t>
                               </m:r>
                               <m:r>
-                                <a:rPr lang="en-US" altLang="ja-JP" i="1"/>
+                                <a:rPr lang="en-US" altLang="ja-JP" i="1">
+                                  <a:latin typeface="Cambria Math" panose="02040503050406030204" pitchFamily="18" charset="0"/>
+                                </a:rPr>
                                 <m:t>𝑦</m:t>
                               </m:r>
                             </m:den>
@@ -26765,17 +26804,23 @@
                     </m:oMathParaPr>
                     <m:oMath xmlns:m="http://schemas.openxmlformats.org/officeDocument/2006/math">
                       <m:r>
-                        <a:rPr lang="en-US" altLang="ja-JP" sz="2400" b="1" i="1"/>
+                        <a:rPr lang="en-US" altLang="ja-JP" sz="2400" b="1" i="1">
+                          <a:latin typeface="Cambria Math" panose="02040503050406030204" pitchFamily="18" charset="0"/>
+                        </a:rPr>
                         <m:t>𝑸</m:t>
                       </m:r>
                       <m:r>
-                        <a:rPr lang="en-US" altLang="ja-JP" sz="2400" b="1" i="1"/>
+                        <a:rPr lang="en-US" altLang="ja-JP" sz="2400" b="1" i="1">
+                          <a:latin typeface="Cambria Math" panose="02040503050406030204" pitchFamily="18" charset="0"/>
+                        </a:rPr>
                         <m:t>=</m:t>
                       </m:r>
                       <m:d>
                         <m:dPr>
                           <m:ctrlPr>
-                            <a:rPr lang="ja-JP" altLang="ja-JP" sz="2400" b="1" i="1"/>
+                            <a:rPr lang="ja-JP" altLang="ja-JP" sz="2400" b="1" i="1">
+                              <a:latin typeface="Cambria Math" panose="02040503050406030204" pitchFamily="18" charset="0"/>
+                            </a:rPr>
                           </m:ctrlPr>
                         </m:dPr>
                         <m:e>
@@ -26783,7 +26828,9 @@
                             <m:fPr>
                               <m:type m:val="noBar"/>
                               <m:ctrlPr>
-                                <a:rPr lang="ja-JP" altLang="ja-JP" sz="2400" i="1"/>
+                                <a:rPr lang="ja-JP" altLang="ja-JP" sz="2400" i="1">
+                                  <a:latin typeface="Cambria Math" panose="02040503050406030204" pitchFamily="18" charset="0"/>
+                                </a:rPr>
                               </m:ctrlPr>
                             </m:fPr>
                             <m:num>
@@ -26791,22 +26838,30 @@
                                 <m:fPr>
                                   <m:type m:val="noBar"/>
                                   <m:ctrlPr>
-                                    <a:rPr lang="ja-JP" altLang="ja-JP" sz="2400" i="1"/>
+                                    <a:rPr lang="ja-JP" altLang="ja-JP" sz="2400" i="1">
+                                      <a:latin typeface="Cambria Math" panose="02040503050406030204" pitchFamily="18" charset="0"/>
+                                    </a:rPr>
                                   </m:ctrlPr>
                                 </m:fPr>
                                 <m:num>
                                   <m:r>
-                                    <a:rPr lang="en-US" altLang="ja-JP" sz="2400" i="1"/>
+                                    <a:rPr lang="en-US" altLang="ja-JP" sz="2400" i="1">
+                                      <a:latin typeface="Cambria Math" panose="02040503050406030204" pitchFamily="18" charset="0"/>
+                                    </a:rPr>
                                     <m:t>𝜌</m:t>
                                   </m:r>
                                 </m:num>
                                 <m:den>
                                   <m:r>
-                                    <a:rPr lang="en-US" altLang="ja-JP" sz="2400" i="1"/>
+                                    <a:rPr lang="en-US" altLang="ja-JP" sz="2400" i="1">
+                                      <a:latin typeface="Cambria Math" panose="02040503050406030204" pitchFamily="18" charset="0"/>
+                                    </a:rPr>
                                     <m:t>𝜌</m:t>
                                   </m:r>
                                   <m:r>
-                                    <a:rPr lang="en-US" altLang="ja-JP" sz="2400" i="1"/>
+                                    <a:rPr lang="en-US" altLang="ja-JP" sz="2400" i="1">
+                                      <a:latin typeface="Cambria Math" panose="02040503050406030204" pitchFamily="18" charset="0"/>
+                                    </a:rPr>
                                     <m:t>𝑢</m:t>
                                   </m:r>
                                 </m:den>
@@ -26817,22 +26872,30 @@
                                 <m:fPr>
                                   <m:type m:val="noBar"/>
                                   <m:ctrlPr>
-                                    <a:rPr lang="ja-JP" altLang="ja-JP" sz="2400" i="1"/>
+                                    <a:rPr lang="ja-JP" altLang="ja-JP" sz="2400" i="1">
+                                      <a:latin typeface="Cambria Math" panose="02040503050406030204" pitchFamily="18" charset="0"/>
+                                    </a:rPr>
                                   </m:ctrlPr>
                                 </m:fPr>
                                 <m:num>
                                   <m:r>
-                                    <a:rPr lang="en-US" altLang="ja-JP" sz="2400" i="1"/>
+                                    <a:rPr lang="en-US" altLang="ja-JP" sz="2400" i="1">
+                                      <a:latin typeface="Cambria Math" panose="02040503050406030204" pitchFamily="18" charset="0"/>
+                                    </a:rPr>
                                     <m:t>𝜌</m:t>
                                   </m:r>
                                   <m:r>
-                                    <a:rPr lang="en-US" altLang="ja-JP" sz="2400" i="1"/>
+                                    <a:rPr lang="en-US" altLang="ja-JP" sz="2400" i="1">
+                                      <a:latin typeface="Cambria Math" panose="02040503050406030204" pitchFamily="18" charset="0"/>
+                                    </a:rPr>
                                     <m:t>𝑣</m:t>
                                   </m:r>
                                 </m:num>
                                 <m:den>
                                   <m:r>
-                                    <a:rPr lang="en-US" altLang="ja-JP" sz="2400" i="1"/>
+                                    <a:rPr lang="en-US" altLang="ja-JP" sz="2400" i="1">
+                                      <a:latin typeface="Cambria Math" panose="02040503050406030204" pitchFamily="18" charset="0"/>
+                                    </a:rPr>
                                     <m:t>𝑒</m:t>
                                   </m:r>
                                 </m:den>
@@ -26842,21 +26905,29 @@
                         </m:e>
                       </m:d>
                       <m:r>
-                        <a:rPr lang="en-US" altLang="ja-JP" sz="2400" b="1" i="1"/>
+                        <a:rPr lang="en-US" altLang="ja-JP" sz="2400" b="1" i="1">
+                          <a:latin typeface="Cambria Math" panose="02040503050406030204" pitchFamily="18" charset="0"/>
+                        </a:rPr>
                         <m:t>,  </m:t>
                       </m:r>
                       <m:r>
-                        <a:rPr lang="en-US" altLang="ja-JP" sz="2400" b="1" i="1"/>
+                        <a:rPr lang="en-US" altLang="ja-JP" sz="2400" b="1" i="1">
+                          <a:latin typeface="Cambria Math" panose="02040503050406030204" pitchFamily="18" charset="0"/>
+                        </a:rPr>
                         <m:t>𝑬</m:t>
                       </m:r>
                       <m:r>
-                        <a:rPr lang="en-US" altLang="ja-JP" sz="2400" b="1" i="1"/>
+                        <a:rPr lang="en-US" altLang="ja-JP" sz="2400" b="1" i="1">
+                          <a:latin typeface="Cambria Math" panose="02040503050406030204" pitchFamily="18" charset="0"/>
+                        </a:rPr>
                         <m:t>=</m:t>
                       </m:r>
                       <m:d>
                         <m:dPr>
                           <m:ctrlPr>
-                            <a:rPr lang="ja-JP" altLang="ja-JP" sz="2400" b="1" i="1"/>
+                            <a:rPr lang="ja-JP" altLang="ja-JP" sz="2400" b="1" i="1">
+                              <a:latin typeface="Cambria Math" panose="02040503050406030204" pitchFamily="18" charset="0"/>
+                            </a:rPr>
                           </m:ctrlPr>
                         </m:dPr>
                         <m:e>
@@ -26864,7 +26935,9 @@
                             <m:fPr>
                               <m:type m:val="noBar"/>
                               <m:ctrlPr>
-                                <a:rPr lang="ja-JP" altLang="ja-JP" sz="2400" i="1"/>
+                                <a:rPr lang="ja-JP" altLang="ja-JP" sz="2400" i="1">
+                                  <a:latin typeface="Cambria Math" panose="02040503050406030204" pitchFamily="18" charset="0"/>
+                                </a:rPr>
                               </m:ctrlPr>
                             </m:fPr>
                             <m:num>
@@ -26872,49 +26945,67 @@
                                 <m:fPr>
                                   <m:type m:val="noBar"/>
                                   <m:ctrlPr>
-                                    <a:rPr lang="ja-JP" altLang="ja-JP" sz="2400" i="1"/>
+                                    <a:rPr lang="ja-JP" altLang="ja-JP" sz="2400" i="1">
+                                      <a:latin typeface="Cambria Math" panose="02040503050406030204" pitchFamily="18" charset="0"/>
+                                    </a:rPr>
                                   </m:ctrlPr>
                                 </m:fPr>
                                 <m:num>
                                   <m:r>
-                                    <a:rPr lang="en-US" altLang="ja-JP" sz="2400" i="1"/>
+                                    <a:rPr lang="en-US" altLang="ja-JP" sz="2400" i="1">
+                                      <a:latin typeface="Cambria Math" panose="02040503050406030204" pitchFamily="18" charset="0"/>
+                                    </a:rPr>
                                     <m:t>𝜌</m:t>
                                   </m:r>
                                   <m:r>
-                                    <a:rPr lang="en-US" altLang="ja-JP" sz="2400" i="1"/>
+                                    <a:rPr lang="en-US" altLang="ja-JP" sz="2400" i="1">
+                                      <a:latin typeface="Cambria Math" panose="02040503050406030204" pitchFamily="18" charset="0"/>
+                                    </a:rPr>
                                     <m:t>𝑢</m:t>
                                   </m:r>
                                 </m:num>
                                 <m:den>
                                   <m:r>
-                                    <a:rPr lang="en-US" altLang="ja-JP" sz="2400" i="1"/>
+                                    <a:rPr lang="en-US" altLang="ja-JP" sz="2400" i="1">
+                                      <a:latin typeface="Cambria Math" panose="02040503050406030204" pitchFamily="18" charset="0"/>
+                                    </a:rPr>
                                     <m:t>𝜌</m:t>
                                   </m:r>
                                   <m:sSup>
                                     <m:sSupPr>
                                       <m:ctrlPr>
-                                        <a:rPr lang="ja-JP" altLang="ja-JP" sz="2400" i="1"/>
+                                        <a:rPr lang="ja-JP" altLang="ja-JP" sz="2400" i="1">
+                                          <a:latin typeface="Cambria Math" panose="02040503050406030204" pitchFamily="18" charset="0"/>
+                                        </a:rPr>
                                       </m:ctrlPr>
                                     </m:sSupPr>
                                     <m:e>
                                       <m:r>
-                                        <a:rPr lang="en-US" altLang="ja-JP" sz="2400" i="1"/>
+                                        <a:rPr lang="en-US" altLang="ja-JP" sz="2400" i="1">
+                                          <a:latin typeface="Cambria Math" panose="02040503050406030204" pitchFamily="18" charset="0"/>
+                                        </a:rPr>
                                         <m:t>𝑢</m:t>
                                       </m:r>
                                     </m:e>
                                     <m:sup>
                                       <m:r>
-                                        <a:rPr lang="en-US" altLang="ja-JP" sz="2400" i="1"/>
+                                        <a:rPr lang="en-US" altLang="ja-JP" sz="2400" i="1">
+                                          <a:latin typeface="Cambria Math" panose="02040503050406030204" pitchFamily="18" charset="0"/>
+                                        </a:rPr>
                                         <m:t>2</m:t>
                                       </m:r>
                                     </m:sup>
                                   </m:sSup>
                                   <m:r>
-                                    <a:rPr lang="en-US" altLang="ja-JP" sz="2400" i="1"/>
+                                    <a:rPr lang="en-US" altLang="ja-JP" sz="2400" i="1">
+                                      <a:latin typeface="Cambria Math" panose="02040503050406030204" pitchFamily="18" charset="0"/>
+                                    </a:rPr>
                                     <m:t>+</m:t>
                                   </m:r>
                                   <m:r>
-                                    <a:rPr lang="en-US" altLang="ja-JP" sz="2400" i="1"/>
+                                    <a:rPr lang="en-US" altLang="ja-JP" sz="2400" i="1">
+                                      <a:latin typeface="Cambria Math" panose="02040503050406030204" pitchFamily="18" charset="0"/>
+                                    </a:rPr>
                                     <m:t>𝑝</m:t>
                                   </m:r>
                                 </m:den>
@@ -26925,41 +27016,57 @@
                                 <m:fPr>
                                   <m:type m:val="noBar"/>
                                   <m:ctrlPr>
-                                    <a:rPr lang="ja-JP" altLang="ja-JP" sz="2400" i="1"/>
+                                    <a:rPr lang="ja-JP" altLang="ja-JP" sz="2400" i="1">
+                                      <a:latin typeface="Cambria Math" panose="02040503050406030204" pitchFamily="18" charset="0"/>
+                                    </a:rPr>
                                   </m:ctrlPr>
                                 </m:fPr>
                                 <m:num>
                                   <m:r>
-                                    <a:rPr lang="en-US" altLang="ja-JP" sz="2400" i="1"/>
+                                    <a:rPr lang="en-US" altLang="ja-JP" sz="2400" i="1">
+                                      <a:latin typeface="Cambria Math" panose="02040503050406030204" pitchFamily="18" charset="0"/>
+                                    </a:rPr>
                                     <m:t>𝜌</m:t>
                                   </m:r>
                                   <m:r>
-                                    <a:rPr lang="en-US" altLang="ja-JP" sz="2400" i="1"/>
+                                    <a:rPr lang="en-US" altLang="ja-JP" sz="2400" i="1">
+                                      <a:latin typeface="Cambria Math" panose="02040503050406030204" pitchFamily="18" charset="0"/>
+                                    </a:rPr>
                                     <m:t>𝑢𝑣</m:t>
                                   </m:r>
                                 </m:num>
                                 <m:den>
                                   <m:r>
-                                    <a:rPr lang="en-US" altLang="ja-JP" sz="2400" i="1"/>
+                                    <a:rPr lang="en-US" altLang="ja-JP" sz="2400" i="1">
+                                      <a:latin typeface="Cambria Math" panose="02040503050406030204" pitchFamily="18" charset="0"/>
+                                    </a:rPr>
                                     <m:t>𝑢</m:t>
                                   </m:r>
                                   <m:d>
                                     <m:dPr>
                                       <m:ctrlPr>
-                                        <a:rPr lang="ja-JP" altLang="ja-JP" sz="2400" i="1"/>
+                                        <a:rPr lang="ja-JP" altLang="ja-JP" sz="2400" i="1">
+                                          <a:latin typeface="Cambria Math" panose="02040503050406030204" pitchFamily="18" charset="0"/>
+                                        </a:rPr>
                                       </m:ctrlPr>
                                     </m:dPr>
                                     <m:e>
                                       <m:r>
-                                        <a:rPr lang="en-US" altLang="ja-JP" sz="2400" i="1"/>
+                                        <a:rPr lang="en-US" altLang="ja-JP" sz="2400" i="1">
+                                          <a:latin typeface="Cambria Math" panose="02040503050406030204" pitchFamily="18" charset="0"/>
+                                        </a:rPr>
                                         <m:t>𝑒</m:t>
                                       </m:r>
                                       <m:r>
-                                        <a:rPr lang="en-US" altLang="ja-JP" sz="2400" i="1"/>
+                                        <a:rPr lang="en-US" altLang="ja-JP" sz="2400" i="1">
+                                          <a:latin typeface="Cambria Math" panose="02040503050406030204" pitchFamily="18" charset="0"/>
+                                        </a:rPr>
                                         <m:t>+</m:t>
                                       </m:r>
                                       <m:r>
-                                        <a:rPr lang="en-US" altLang="ja-JP" sz="2400" i="1"/>
+                                        <a:rPr lang="en-US" altLang="ja-JP" sz="2400" i="1">
+                                          <a:latin typeface="Cambria Math" panose="02040503050406030204" pitchFamily="18" charset="0"/>
+                                        </a:rPr>
                                         <m:t>𝑝</m:t>
                                       </m:r>
                                     </m:e>
@@ -26971,21 +27078,29 @@
                         </m:e>
                       </m:d>
                       <m:r>
-                        <a:rPr lang="en-US" altLang="ja-JP" sz="2400" b="1" i="1"/>
+                        <a:rPr lang="en-US" altLang="ja-JP" sz="2400" b="1" i="1">
+                          <a:latin typeface="Cambria Math" panose="02040503050406030204" pitchFamily="18" charset="0"/>
+                        </a:rPr>
                         <m:t>,  </m:t>
                       </m:r>
                       <m:r>
-                        <a:rPr lang="en-US" altLang="ja-JP" sz="2400" b="1" i="1"/>
+                        <a:rPr lang="en-US" altLang="ja-JP" sz="2400" b="1" i="1">
+                          <a:latin typeface="Cambria Math" panose="02040503050406030204" pitchFamily="18" charset="0"/>
+                        </a:rPr>
                         <m:t>𝑭</m:t>
                       </m:r>
                       <m:r>
-                        <a:rPr lang="en-US" altLang="ja-JP" sz="2400" b="1" i="1"/>
+                        <a:rPr lang="en-US" altLang="ja-JP" sz="2400" b="1" i="1">
+                          <a:latin typeface="Cambria Math" panose="02040503050406030204" pitchFamily="18" charset="0"/>
+                        </a:rPr>
                         <m:t>=</m:t>
                       </m:r>
                       <m:d>
                         <m:dPr>
                           <m:ctrlPr>
-                            <a:rPr lang="ja-JP" altLang="ja-JP" sz="2400" b="1" i="1"/>
+                            <a:rPr lang="ja-JP" altLang="ja-JP" sz="2400" b="1" i="1">
+                              <a:latin typeface="Cambria Math" panose="02040503050406030204" pitchFamily="18" charset="0"/>
+                            </a:rPr>
                           </m:ctrlPr>
                         </m:dPr>
                         <m:e>
@@ -26993,7 +27108,9 @@
                             <m:fPr>
                               <m:type m:val="noBar"/>
                               <m:ctrlPr>
-                                <a:rPr lang="ja-JP" altLang="ja-JP" sz="2400" i="1"/>
+                                <a:rPr lang="ja-JP" altLang="ja-JP" sz="2400" i="1">
+                                  <a:latin typeface="Cambria Math" panose="02040503050406030204" pitchFamily="18" charset="0"/>
+                                </a:rPr>
                               </m:ctrlPr>
                             </m:fPr>
                             <m:num>
@@ -27001,26 +27118,36 @@
                                 <m:fPr>
                                   <m:type m:val="noBar"/>
                                   <m:ctrlPr>
-                                    <a:rPr lang="ja-JP" altLang="ja-JP" sz="2400" i="1"/>
+                                    <a:rPr lang="ja-JP" altLang="ja-JP" sz="2400" i="1">
+                                      <a:latin typeface="Cambria Math" panose="02040503050406030204" pitchFamily="18" charset="0"/>
+                                    </a:rPr>
                                   </m:ctrlPr>
                                 </m:fPr>
                                 <m:num>
                                   <m:r>
-                                    <a:rPr lang="en-US" altLang="ja-JP" sz="2400" i="1"/>
+                                    <a:rPr lang="en-US" altLang="ja-JP" sz="2400" i="1">
+                                      <a:latin typeface="Cambria Math" panose="02040503050406030204" pitchFamily="18" charset="0"/>
+                                    </a:rPr>
                                     <m:t>𝜌</m:t>
                                   </m:r>
                                   <m:r>
-                                    <a:rPr lang="en-US" altLang="ja-JP" sz="2400" i="1"/>
+                                    <a:rPr lang="en-US" altLang="ja-JP" sz="2400" i="1">
+                                      <a:latin typeface="Cambria Math" panose="02040503050406030204" pitchFamily="18" charset="0"/>
+                                    </a:rPr>
                                     <m:t>𝑣</m:t>
                                   </m:r>
                                 </m:num>
                                 <m:den>
                                   <m:r>
-                                    <a:rPr lang="en-US" altLang="ja-JP" sz="2400" i="1"/>
+                                    <a:rPr lang="en-US" altLang="ja-JP" sz="2400" i="1">
+                                      <a:latin typeface="Cambria Math" panose="02040503050406030204" pitchFamily="18" charset="0"/>
+                                    </a:rPr>
                                     <m:t>𝜌</m:t>
                                   </m:r>
                                   <m:r>
-                                    <a:rPr lang="en-US" altLang="ja-JP" sz="2400" i="1"/>
+                                    <a:rPr lang="en-US" altLang="ja-JP" sz="2400" i="1">
+                                      <a:latin typeface="Cambria Math" panose="02040503050406030204" pitchFamily="18" charset="0"/>
+                                    </a:rPr>
                                     <m:t>𝑢𝑣</m:t>
                                   </m:r>
                                 </m:den>
@@ -27031,64 +27158,88 @@
                                 <m:fPr>
                                   <m:type m:val="noBar"/>
                                   <m:ctrlPr>
-                                    <a:rPr lang="ja-JP" altLang="ja-JP" sz="2400" i="1"/>
+                                    <a:rPr lang="ja-JP" altLang="ja-JP" sz="2400" i="1">
+                                      <a:latin typeface="Cambria Math" panose="02040503050406030204" pitchFamily="18" charset="0"/>
+                                    </a:rPr>
                                   </m:ctrlPr>
                                 </m:fPr>
                                 <m:num>
                                   <m:r>
-                                    <a:rPr lang="en-US" altLang="ja-JP" sz="2400" i="1"/>
+                                    <a:rPr lang="en-US" altLang="ja-JP" sz="2400" i="1">
+                                      <a:latin typeface="Cambria Math" panose="02040503050406030204" pitchFamily="18" charset="0"/>
+                                    </a:rPr>
                                     <m:t>𝜌</m:t>
                                   </m:r>
                                   <m:sSup>
                                     <m:sSupPr>
                                       <m:ctrlPr>
-                                        <a:rPr lang="ja-JP" altLang="ja-JP" sz="2400" i="1"/>
+                                        <a:rPr lang="ja-JP" altLang="ja-JP" sz="2400" i="1">
+                                          <a:latin typeface="Cambria Math" panose="02040503050406030204" pitchFamily="18" charset="0"/>
+                                        </a:rPr>
                                       </m:ctrlPr>
                                     </m:sSupPr>
                                     <m:e>
                                       <m:r>
-                                        <a:rPr lang="en-US" altLang="ja-JP" sz="2400" i="1"/>
+                                        <a:rPr lang="en-US" altLang="ja-JP" sz="2400" i="1">
+                                          <a:latin typeface="Cambria Math" panose="02040503050406030204" pitchFamily="18" charset="0"/>
+                                        </a:rPr>
                                         <m:t>𝑣</m:t>
                                       </m:r>
                                     </m:e>
                                     <m:sup>
                                       <m:r>
-                                        <a:rPr lang="en-US" altLang="ja-JP" sz="2400" i="1"/>
+                                        <a:rPr lang="en-US" altLang="ja-JP" sz="2400" i="1">
+                                          <a:latin typeface="Cambria Math" panose="02040503050406030204" pitchFamily="18" charset="0"/>
+                                        </a:rPr>
                                         <m:t>2</m:t>
                                       </m:r>
                                     </m:sup>
                                   </m:sSup>
                                   <m:r>
-                                    <a:rPr lang="en-US" altLang="ja-JP" sz="2400" i="1"/>
+                                    <a:rPr lang="en-US" altLang="ja-JP" sz="2400" i="1">
+                                      <a:latin typeface="Cambria Math" panose="02040503050406030204" pitchFamily="18" charset="0"/>
+                                    </a:rPr>
                                     <m:t>+</m:t>
                                   </m:r>
                                   <m:r>
-                                    <a:rPr lang="en-US" altLang="ja-JP" sz="2400" i="1"/>
+                                    <a:rPr lang="en-US" altLang="ja-JP" sz="2400" i="1">
+                                      <a:latin typeface="Cambria Math" panose="02040503050406030204" pitchFamily="18" charset="0"/>
+                                    </a:rPr>
                                     <m:t>𝑝</m:t>
                                   </m:r>
                                 </m:num>
                                 <m:den>
                                   <m:r>
-                                    <a:rPr lang="en-US" altLang="ja-JP" sz="2400" i="1"/>
+                                    <a:rPr lang="en-US" altLang="ja-JP" sz="2400" i="1">
+                                      <a:latin typeface="Cambria Math" panose="02040503050406030204" pitchFamily="18" charset="0"/>
+                                    </a:rPr>
                                     <m:t>𝑣</m:t>
                                   </m:r>
                                   <m:d>
                                     <m:dPr>
                                       <m:ctrlPr>
-                                        <a:rPr lang="ja-JP" altLang="ja-JP" sz="2400" i="1"/>
+                                        <a:rPr lang="ja-JP" altLang="ja-JP" sz="2400" i="1">
+                                          <a:latin typeface="Cambria Math" panose="02040503050406030204" pitchFamily="18" charset="0"/>
+                                        </a:rPr>
                                       </m:ctrlPr>
                                     </m:dPr>
                                     <m:e>
                                       <m:r>
-                                        <a:rPr lang="en-US" altLang="ja-JP" sz="2400" i="1"/>
+                                        <a:rPr lang="en-US" altLang="ja-JP" sz="2400" i="1">
+                                          <a:latin typeface="Cambria Math" panose="02040503050406030204" pitchFamily="18" charset="0"/>
+                                        </a:rPr>
                                         <m:t>𝑒</m:t>
                                       </m:r>
                                       <m:r>
-                                        <a:rPr lang="en-US" altLang="ja-JP" sz="2400" i="1"/>
+                                        <a:rPr lang="en-US" altLang="ja-JP" sz="2400" i="1">
+                                          <a:latin typeface="Cambria Math" panose="02040503050406030204" pitchFamily="18" charset="0"/>
+                                        </a:rPr>
                                         <m:t>+</m:t>
                                       </m:r>
                                       <m:r>
-                                        <a:rPr lang="en-US" altLang="ja-JP" sz="2400" i="1"/>
+                                        <a:rPr lang="en-US" altLang="ja-JP" sz="2400" i="1">
+                                          <a:latin typeface="Cambria Math" panose="02040503050406030204" pitchFamily="18" charset="0"/>
+                                        </a:rPr>
                                         <m:t>𝑝</m:t>
                                       </m:r>
                                     </m:e>
@@ -27100,36 +27251,48 @@
                         </m:e>
                       </m:d>
                       <m:r>
-                        <a:rPr lang="en-US" altLang="ja-JP" sz="2400" b="1" i="1"/>
+                        <a:rPr lang="en-US" altLang="ja-JP" sz="2400" b="1" i="1">
+                          <a:latin typeface="Cambria Math" panose="02040503050406030204" pitchFamily="18" charset="0"/>
+                        </a:rPr>
                         <m:t>,  </m:t>
                       </m:r>
                       <m:sSub>
                         <m:sSubPr>
                           <m:ctrlPr>
-                            <a:rPr lang="ja-JP" altLang="ja-JP" sz="2400" i="1"/>
+                            <a:rPr lang="ja-JP" altLang="ja-JP" sz="2400" i="1">
+                              <a:latin typeface="Cambria Math" panose="02040503050406030204" pitchFamily="18" charset="0"/>
+                            </a:rPr>
                           </m:ctrlPr>
                         </m:sSubPr>
                         <m:e>
                           <m:r>
-                            <a:rPr lang="en-US" altLang="ja-JP" sz="2400" b="1" i="1"/>
+                            <a:rPr lang="en-US" altLang="ja-JP" sz="2400" b="1" i="1">
+                              <a:latin typeface="Cambria Math" panose="02040503050406030204" pitchFamily="18" charset="0"/>
+                            </a:rPr>
                             <m:t>𝑬</m:t>
                           </m:r>
                         </m:e>
                         <m:sub>
                           <m:r>
-                            <a:rPr lang="en-US" altLang="ja-JP" sz="2400" i="1"/>
+                            <a:rPr lang="en-US" altLang="ja-JP" sz="2400" i="1">
+                              <a:latin typeface="Cambria Math" panose="02040503050406030204" pitchFamily="18" charset="0"/>
+                            </a:rPr>
                             <m:t>𝑣</m:t>
                           </m:r>
                         </m:sub>
                       </m:sSub>
                       <m:r>
-                        <a:rPr lang="en-US" altLang="ja-JP" sz="2400" b="1" i="1"/>
+                        <a:rPr lang="en-US" altLang="ja-JP" sz="2400" b="1" i="1">
+                          <a:latin typeface="Cambria Math" panose="02040503050406030204" pitchFamily="18" charset="0"/>
+                        </a:rPr>
                         <m:t>=</m:t>
                       </m:r>
                       <m:d>
                         <m:dPr>
                           <m:ctrlPr>
-                            <a:rPr lang="ja-JP" altLang="ja-JP" sz="2400" b="1" i="1"/>
+                            <a:rPr lang="ja-JP" altLang="ja-JP" sz="2400" b="1" i="1">
+                              <a:latin typeface="Cambria Math" panose="02040503050406030204" pitchFamily="18" charset="0"/>
+                            </a:rPr>
                           </m:ctrlPr>
                         </m:dPr>
                         <m:e>
@@ -27137,7 +27300,9 @@
                             <m:fPr>
                               <m:type m:val="noBar"/>
                               <m:ctrlPr>
-                                <a:rPr lang="ja-JP" altLang="ja-JP" sz="2400" i="1"/>
+                                <a:rPr lang="ja-JP" altLang="ja-JP" sz="2400" i="1">
+                                  <a:latin typeface="Cambria Math" panose="02040503050406030204" pitchFamily="18" charset="0"/>
+                                </a:rPr>
                               </m:ctrlPr>
                             </m:fPr>
                             <m:num>
@@ -27145,12 +27310,16 @@
                                 <m:fPr>
                                   <m:type m:val="noBar"/>
                                   <m:ctrlPr>
-                                    <a:rPr lang="ja-JP" altLang="ja-JP" sz="2400" i="1"/>
+                                    <a:rPr lang="ja-JP" altLang="ja-JP" sz="2400" i="1">
+                                      <a:latin typeface="Cambria Math" panose="02040503050406030204" pitchFamily="18" charset="0"/>
+                                    </a:rPr>
                                   </m:ctrlPr>
                                 </m:fPr>
                                 <m:num>
                                   <m:r>
-                                    <a:rPr lang="en-US" altLang="ja-JP" sz="2400" i="1"/>
+                                    <a:rPr lang="en-US" altLang="ja-JP" sz="2400" i="1">
+                                      <a:latin typeface="Cambria Math" panose="02040503050406030204" pitchFamily="18" charset="0"/>
+                                    </a:rPr>
                                     <m:t>0</m:t>
                                   </m:r>
                                 </m:num>
@@ -27158,18 +27327,24 @@
                                   <m:sSub>
                                     <m:sSubPr>
                                       <m:ctrlPr>
-                                        <a:rPr lang="ja-JP" altLang="ja-JP" sz="2400" i="1"/>
+                                        <a:rPr lang="ja-JP" altLang="ja-JP" sz="2400" i="1">
+                                          <a:latin typeface="Cambria Math" panose="02040503050406030204" pitchFamily="18" charset="0"/>
+                                        </a:rPr>
                                       </m:ctrlPr>
                                     </m:sSubPr>
                                     <m:e>
                                       <m:r>
-                                        <a:rPr lang="en-US" altLang="ja-JP" sz="2400" i="1"/>
+                                        <a:rPr lang="en-US" altLang="ja-JP" sz="2400" i="1">
+                                          <a:latin typeface="Cambria Math" panose="02040503050406030204" pitchFamily="18" charset="0"/>
+                                        </a:rPr>
                                         <m:t>𝜏</m:t>
                                       </m:r>
                                     </m:e>
                                     <m:sub>
                                       <m:r>
-                                        <a:rPr lang="en-US" altLang="ja-JP" sz="2400" i="1"/>
+                                        <a:rPr lang="en-US" altLang="ja-JP" sz="2400" i="1">
+                                          <a:latin typeface="Cambria Math" panose="02040503050406030204" pitchFamily="18" charset="0"/>
+                                        </a:rPr>
                                         <m:t>𝑥𝑥</m:t>
                                       </m:r>
                                     </m:sub>
@@ -27182,25 +27357,33 @@
                                 <m:fPr>
                                   <m:type m:val="noBar"/>
                                   <m:ctrlPr>
-                                    <a:rPr lang="ja-JP" altLang="ja-JP" sz="2400" i="1"/>
+                                    <a:rPr lang="ja-JP" altLang="ja-JP" sz="2400" i="1">
+                                      <a:latin typeface="Cambria Math" panose="02040503050406030204" pitchFamily="18" charset="0"/>
+                                    </a:rPr>
                                   </m:ctrlPr>
                                 </m:fPr>
                                 <m:num>
                                   <m:sSub>
                                     <m:sSubPr>
                                       <m:ctrlPr>
-                                        <a:rPr lang="ja-JP" altLang="ja-JP" sz="2400" i="1"/>
+                                        <a:rPr lang="ja-JP" altLang="ja-JP" sz="2400" i="1">
+                                          <a:latin typeface="Cambria Math" panose="02040503050406030204" pitchFamily="18" charset="0"/>
+                                        </a:rPr>
                                       </m:ctrlPr>
                                     </m:sSubPr>
                                     <m:e>
                                       <m:r>
-                                        <a:rPr lang="en-US" altLang="ja-JP" sz="2400" i="1"/>
+                                        <a:rPr lang="en-US" altLang="ja-JP" sz="2400" i="1">
+                                          <a:latin typeface="Cambria Math" panose="02040503050406030204" pitchFamily="18" charset="0"/>
+                                        </a:rPr>
                                         <m:t>𝜏</m:t>
                                       </m:r>
                                     </m:e>
                                     <m:sub>
                                       <m:r>
-                                        <a:rPr lang="en-US" altLang="ja-JP" sz="2400" i="1"/>
+                                        <a:rPr lang="en-US" altLang="ja-JP" sz="2400" i="1">
+                                          <a:latin typeface="Cambria Math" panose="02040503050406030204" pitchFamily="18" charset="0"/>
+                                        </a:rPr>
                                         <m:t>𝑥𝑦</m:t>
                                       </m:r>
                                     </m:sub>
@@ -27210,18 +27393,24 @@
                                   <m:sSub>
                                     <m:sSubPr>
                                       <m:ctrlPr>
-                                        <a:rPr lang="ja-JP" altLang="ja-JP" sz="2400" i="1"/>
+                                        <a:rPr lang="ja-JP" altLang="ja-JP" sz="2400" i="1">
+                                          <a:latin typeface="Cambria Math" panose="02040503050406030204" pitchFamily="18" charset="0"/>
+                                        </a:rPr>
                                       </m:ctrlPr>
                                     </m:sSubPr>
                                     <m:e>
                                       <m:r>
-                                        <a:rPr lang="en-US" altLang="ja-JP" sz="2400" i="1"/>
+                                        <a:rPr lang="en-US" altLang="ja-JP" sz="2400" i="1">
+                                          <a:latin typeface="Cambria Math" panose="02040503050406030204" pitchFamily="18" charset="0"/>
+                                        </a:rPr>
                                         <m:t>𝛽</m:t>
                                       </m:r>
                                     </m:e>
                                     <m:sub>
                                       <m:r>
-                                        <a:rPr lang="en-US" altLang="ja-JP" sz="2400" i="1"/>
+                                        <a:rPr lang="en-US" altLang="ja-JP" sz="2400" i="1">
+                                          <a:latin typeface="Cambria Math" panose="02040503050406030204" pitchFamily="18" charset="0"/>
+                                        </a:rPr>
                                         <m:t>𝑥</m:t>
                                       </m:r>
                                     </m:sub>
@@ -27233,36 +27422,48 @@
                         </m:e>
                       </m:d>
                       <m:r>
-                        <a:rPr lang="en-US" altLang="ja-JP" sz="2400" b="1" i="1"/>
+                        <a:rPr lang="en-US" altLang="ja-JP" sz="2400" b="1" i="1">
+                          <a:latin typeface="Cambria Math" panose="02040503050406030204" pitchFamily="18" charset="0"/>
+                        </a:rPr>
                         <m:t>,  </m:t>
                       </m:r>
                       <m:sSub>
                         <m:sSubPr>
                           <m:ctrlPr>
-                            <a:rPr lang="ja-JP" altLang="ja-JP" sz="2400" i="1"/>
+                            <a:rPr lang="ja-JP" altLang="ja-JP" sz="2400" i="1">
+                              <a:latin typeface="Cambria Math" panose="02040503050406030204" pitchFamily="18" charset="0"/>
+                            </a:rPr>
                           </m:ctrlPr>
                         </m:sSubPr>
                         <m:e>
                           <m:r>
-                            <a:rPr lang="en-US" altLang="ja-JP" sz="2400" b="1" i="1"/>
+                            <a:rPr lang="en-US" altLang="ja-JP" sz="2400" b="1" i="1">
+                              <a:latin typeface="Cambria Math" panose="02040503050406030204" pitchFamily="18" charset="0"/>
+                            </a:rPr>
                             <m:t>𝑭</m:t>
                           </m:r>
                         </m:e>
                         <m:sub>
                           <m:r>
-                            <a:rPr lang="en-US" altLang="ja-JP" sz="2400" i="1"/>
+                            <a:rPr lang="en-US" altLang="ja-JP" sz="2400" i="1">
+                              <a:latin typeface="Cambria Math" panose="02040503050406030204" pitchFamily="18" charset="0"/>
+                            </a:rPr>
                             <m:t>𝑣</m:t>
                           </m:r>
                         </m:sub>
                       </m:sSub>
                       <m:r>
-                        <a:rPr lang="en-US" altLang="ja-JP" sz="2400" b="1" i="1"/>
+                        <a:rPr lang="en-US" altLang="ja-JP" sz="2400" b="1" i="1">
+                          <a:latin typeface="Cambria Math" panose="02040503050406030204" pitchFamily="18" charset="0"/>
+                        </a:rPr>
                         <m:t>=</m:t>
                       </m:r>
                       <m:d>
                         <m:dPr>
                           <m:ctrlPr>
-                            <a:rPr lang="ja-JP" altLang="ja-JP" sz="2400" b="1" i="1"/>
+                            <a:rPr lang="ja-JP" altLang="ja-JP" sz="2400" b="1" i="1">
+                              <a:latin typeface="Cambria Math" panose="02040503050406030204" pitchFamily="18" charset="0"/>
+                            </a:rPr>
                           </m:ctrlPr>
                         </m:dPr>
                         <m:e>
@@ -27270,7 +27471,9 @@
                             <m:fPr>
                               <m:type m:val="noBar"/>
                               <m:ctrlPr>
-                                <a:rPr lang="ja-JP" altLang="ja-JP" sz="2400" i="1"/>
+                                <a:rPr lang="ja-JP" altLang="ja-JP" sz="2400" i="1">
+                                  <a:latin typeface="Cambria Math" panose="02040503050406030204" pitchFamily="18" charset="0"/>
+                                </a:rPr>
                               </m:ctrlPr>
                             </m:fPr>
                             <m:num>
@@ -27278,12 +27481,16 @@
                                 <m:fPr>
                                   <m:type m:val="noBar"/>
                                   <m:ctrlPr>
-                                    <a:rPr lang="ja-JP" altLang="ja-JP" sz="2400" i="1"/>
+                                    <a:rPr lang="ja-JP" altLang="ja-JP" sz="2400" i="1">
+                                      <a:latin typeface="Cambria Math" panose="02040503050406030204" pitchFamily="18" charset="0"/>
+                                    </a:rPr>
                                   </m:ctrlPr>
                                 </m:fPr>
                                 <m:num>
                                   <m:r>
-                                    <a:rPr lang="en-US" altLang="ja-JP" sz="2400" i="1"/>
+                                    <a:rPr lang="en-US" altLang="ja-JP" sz="2400" i="1">
+                                      <a:latin typeface="Cambria Math" panose="02040503050406030204" pitchFamily="18" charset="0"/>
+                                    </a:rPr>
                                     <m:t>0</m:t>
                                   </m:r>
                                 </m:num>
@@ -27291,18 +27498,24 @@
                                   <m:sSub>
                                     <m:sSubPr>
                                       <m:ctrlPr>
-                                        <a:rPr lang="ja-JP" altLang="ja-JP" sz="2400" i="1"/>
+                                        <a:rPr lang="ja-JP" altLang="ja-JP" sz="2400" i="1">
+                                          <a:latin typeface="Cambria Math" panose="02040503050406030204" pitchFamily="18" charset="0"/>
+                                        </a:rPr>
                                       </m:ctrlPr>
                                     </m:sSubPr>
                                     <m:e>
                                       <m:r>
-                                        <a:rPr lang="en-US" altLang="ja-JP" sz="2400" i="1"/>
+                                        <a:rPr lang="en-US" altLang="ja-JP" sz="2400" i="1">
+                                          <a:latin typeface="Cambria Math" panose="02040503050406030204" pitchFamily="18" charset="0"/>
+                                        </a:rPr>
                                         <m:t>𝜏</m:t>
                                       </m:r>
                                     </m:e>
                                     <m:sub>
                                       <m:r>
-                                        <a:rPr lang="en-US" altLang="ja-JP" sz="2400" i="1"/>
+                                        <a:rPr lang="en-US" altLang="ja-JP" sz="2400" i="1">
+                                          <a:latin typeface="Cambria Math" panose="02040503050406030204" pitchFamily="18" charset="0"/>
+                                        </a:rPr>
                                         <m:t>𝑥𝑦</m:t>
                                       </m:r>
                                     </m:sub>
@@ -27315,25 +27528,33 @@
                                 <m:fPr>
                                   <m:type m:val="noBar"/>
                                   <m:ctrlPr>
-                                    <a:rPr lang="ja-JP" altLang="ja-JP" sz="2400" i="1"/>
+                                    <a:rPr lang="ja-JP" altLang="ja-JP" sz="2400" i="1">
+                                      <a:latin typeface="Cambria Math" panose="02040503050406030204" pitchFamily="18" charset="0"/>
+                                    </a:rPr>
                                   </m:ctrlPr>
                                 </m:fPr>
                                 <m:num>
                                   <m:sSub>
                                     <m:sSubPr>
                                       <m:ctrlPr>
-                                        <a:rPr lang="ja-JP" altLang="ja-JP" sz="2400" i="1"/>
+                                        <a:rPr lang="ja-JP" altLang="ja-JP" sz="2400" i="1">
+                                          <a:latin typeface="Cambria Math" panose="02040503050406030204" pitchFamily="18" charset="0"/>
+                                        </a:rPr>
                                       </m:ctrlPr>
                                     </m:sSubPr>
                                     <m:e>
                                       <m:r>
-                                        <a:rPr lang="en-US" altLang="ja-JP" sz="2400" i="1"/>
+                                        <a:rPr lang="en-US" altLang="ja-JP" sz="2400" i="1">
+                                          <a:latin typeface="Cambria Math" panose="02040503050406030204" pitchFamily="18" charset="0"/>
+                                        </a:rPr>
                                         <m:t>𝜏</m:t>
                                       </m:r>
                                     </m:e>
                                     <m:sub>
                                       <m:r>
-                                        <a:rPr lang="en-US" altLang="ja-JP" sz="2400" i="1"/>
+                                        <a:rPr lang="en-US" altLang="ja-JP" sz="2400" i="1">
+                                          <a:latin typeface="Cambria Math" panose="02040503050406030204" pitchFamily="18" charset="0"/>
+                                        </a:rPr>
                                         <m:t>𝑦𝑦</m:t>
                                       </m:r>
                                     </m:sub>
@@ -27343,18 +27564,24 @@
                                   <m:sSub>
                                     <m:sSubPr>
                                       <m:ctrlPr>
-                                        <a:rPr lang="ja-JP" altLang="ja-JP" sz="2400" i="1"/>
+                                        <a:rPr lang="ja-JP" altLang="ja-JP" sz="2400" i="1">
+                                          <a:latin typeface="Cambria Math" panose="02040503050406030204" pitchFamily="18" charset="0"/>
+                                        </a:rPr>
                                       </m:ctrlPr>
                                     </m:sSubPr>
                                     <m:e>
                                       <m:r>
-                                        <a:rPr lang="en-US" altLang="ja-JP" sz="2400" i="1"/>
+                                        <a:rPr lang="en-US" altLang="ja-JP" sz="2400" i="1">
+                                          <a:latin typeface="Cambria Math" panose="02040503050406030204" pitchFamily="18" charset="0"/>
+                                        </a:rPr>
                                         <m:t>𝛽</m:t>
                                       </m:r>
                                     </m:e>
                                     <m:sub>
                                       <m:r>
-                                        <a:rPr lang="en-US" altLang="ja-JP" sz="2400" i="1"/>
+                                        <a:rPr lang="en-US" altLang="ja-JP" sz="2400" i="1">
+                                          <a:latin typeface="Cambria Math" panose="02040503050406030204" pitchFamily="18" charset="0"/>
+                                        </a:rPr>
                                         <m:t>𝑦</m:t>
                                       </m:r>
                                     </m:sub>
@@ -27420,32 +27647,44 @@
                     </m:oMathParaPr>
                     <m:oMath xmlns:m="http://schemas.openxmlformats.org/officeDocument/2006/math">
                       <m:r>
-                        <a:rPr lang="en-US" altLang="ja-JP" sz="2400" i="1"/>
+                        <a:rPr lang="en-US" altLang="ja-JP" sz="2400" i="1">
+                          <a:latin typeface="Cambria Math" panose="02040503050406030204" pitchFamily="18" charset="0"/>
+                        </a:rPr>
                         <m:t>𝑝</m:t>
                       </m:r>
                       <m:r>
-                        <a:rPr lang="en-US" altLang="ja-JP" sz="2400" i="1"/>
+                        <a:rPr lang="en-US" altLang="ja-JP" sz="2400" i="1">
+                          <a:latin typeface="Cambria Math" panose="02040503050406030204" pitchFamily="18" charset="0"/>
+                        </a:rPr>
                         <m:t>=</m:t>
                       </m:r>
                       <m:d>
                         <m:dPr>
                           <m:ctrlPr>
-                            <a:rPr lang="ja-JP" altLang="ja-JP" sz="2400" i="1"/>
+                            <a:rPr lang="ja-JP" altLang="ja-JP" sz="2400" i="1">
+                              <a:latin typeface="Cambria Math" panose="02040503050406030204" pitchFamily="18" charset="0"/>
+                            </a:rPr>
                           </m:ctrlPr>
                         </m:dPr>
                         <m:e>
                           <m:r>
-                            <a:rPr lang="en-US" altLang="ja-JP" sz="2400" i="1"/>
+                            <a:rPr lang="en-US" altLang="ja-JP" sz="2400" i="1">
+                              <a:latin typeface="Cambria Math" panose="02040503050406030204" pitchFamily="18" charset="0"/>
+                            </a:rPr>
                             <m:t>𝛾</m:t>
                           </m:r>
                           <m:r>
-                            <a:rPr lang="en-US" altLang="ja-JP" sz="2400" i="1"/>
+                            <a:rPr lang="en-US" altLang="ja-JP" sz="2400" i="1">
+                              <a:latin typeface="Cambria Math" panose="02040503050406030204" pitchFamily="18" charset="0"/>
+                            </a:rPr>
                             <m:t>−1</m:t>
                           </m:r>
                         </m:e>
                       </m:d>
                       <m:r>
-                        <a:rPr lang="en-US" altLang="ja-JP" sz="2400" i="1"/>
+                        <a:rPr lang="en-US" altLang="ja-JP" sz="2400" i="1">
+                          <a:latin typeface="Cambria Math" panose="02040503050406030204" pitchFamily="18" charset="0"/>
+                        </a:rPr>
                         <m:t>∙</m:t>
                       </m:r>
                       <m:d>
@@ -27453,33 +27692,45 @@
                           <m:begChr m:val="{"/>
                           <m:endChr m:val="}"/>
                           <m:ctrlPr>
-                            <a:rPr lang="ja-JP" altLang="ja-JP" sz="2400" i="1"/>
+                            <a:rPr lang="ja-JP" altLang="ja-JP" sz="2400" i="1">
+                              <a:latin typeface="Cambria Math" panose="02040503050406030204" pitchFamily="18" charset="0"/>
+                            </a:rPr>
                           </m:ctrlPr>
                         </m:dPr>
                         <m:e>
                           <m:r>
-                            <a:rPr lang="en-US" altLang="ja-JP" sz="2400" i="1"/>
+                            <a:rPr lang="en-US" altLang="ja-JP" sz="2400" i="1">
+                              <a:latin typeface="Cambria Math" panose="02040503050406030204" pitchFamily="18" charset="0"/>
+                            </a:rPr>
                             <m:t>𝑒</m:t>
                           </m:r>
                           <m:r>
-                            <a:rPr lang="en-US" altLang="ja-JP" sz="2400" i="1"/>
+                            <a:rPr lang="en-US" altLang="ja-JP" sz="2400" i="1">
+                              <a:latin typeface="Cambria Math" panose="02040503050406030204" pitchFamily="18" charset="0"/>
+                            </a:rPr>
                             <m:t>−</m:t>
                           </m:r>
                           <m:f>
                             <m:fPr>
                               <m:ctrlPr>
-                                <a:rPr lang="ja-JP" altLang="ja-JP" sz="2400" i="1"/>
+                                <a:rPr lang="ja-JP" altLang="ja-JP" sz="2400" i="1">
+                                  <a:latin typeface="Cambria Math" panose="02040503050406030204" pitchFamily="18" charset="0"/>
+                                </a:rPr>
                               </m:ctrlPr>
                             </m:fPr>
                             <m:num>
                               <m:r>
-                                <a:rPr lang="en-US" altLang="ja-JP" sz="2400" i="1"/>
+                                <a:rPr lang="en-US" altLang="ja-JP" sz="2400" i="1">
+                                  <a:latin typeface="Cambria Math" panose="02040503050406030204" pitchFamily="18" charset="0"/>
+                                </a:rPr>
                                 <m:t>1</m:t>
                               </m:r>
                             </m:num>
                             <m:den>
                               <m:r>
-                                <a:rPr lang="en-US" altLang="ja-JP" sz="2400" i="1"/>
+                                <a:rPr lang="en-US" altLang="ja-JP" sz="2400" i="1">
+                                  <a:latin typeface="Cambria Math" panose="02040503050406030204" pitchFamily="18" charset="0"/>
+                                </a:rPr>
                                 <m:t>2</m:t>
                               </m:r>
                             </m:den>
@@ -27487,7 +27738,9 @@
                           <m:sSup>
                             <m:sSupPr>
                               <m:ctrlPr>
-                                <a:rPr lang="ja-JP" altLang="ja-JP" sz="2400" i="1"/>
+                                <a:rPr lang="ja-JP" altLang="ja-JP" sz="2400" i="1">
+                                  <a:latin typeface="Cambria Math" panose="02040503050406030204" pitchFamily="18" charset="0"/>
+                                </a:rPr>
                               </m:ctrlPr>
                             </m:sSupPr>
                             <m:e>
@@ -27496,12 +27749,16 @@
                                   <m:begChr m:val="|"/>
                                   <m:endChr m:val="|"/>
                                   <m:ctrlPr>
-                                    <a:rPr lang="ja-JP" altLang="ja-JP" sz="2400" b="1" i="1"/>
+                                    <a:rPr lang="ja-JP" altLang="ja-JP" sz="2400" b="1" i="1">
+                                      <a:latin typeface="Cambria Math" panose="02040503050406030204" pitchFamily="18" charset="0"/>
+                                    </a:rPr>
                                   </m:ctrlPr>
                                 </m:dPr>
                                 <m:e>
                                   <m:r>
-                                    <a:rPr lang="en-US" altLang="ja-JP" sz="2400" b="1" i="1"/>
+                                    <a:rPr lang="en-US" altLang="ja-JP" sz="2400" b="1" i="1">
+                                      <a:latin typeface="Cambria Math" panose="02040503050406030204" pitchFamily="18" charset="0"/>
+                                    </a:rPr>
                                     <m:t>𝒖</m:t>
                                   </m:r>
                                 </m:e>
@@ -27509,7 +27766,9 @@
                             </m:e>
                             <m:sup>
                               <m:r>
-                                <a:rPr lang="en-US" altLang="ja-JP" sz="2400" i="1"/>
+                                <a:rPr lang="en-US" altLang="ja-JP" sz="2400" i="1">
+                                  <a:latin typeface="Cambria Math" panose="02040503050406030204" pitchFamily="18" charset="0"/>
+                                </a:rPr>
                                 <m:t>2</m:t>
                               </m:r>
                             </m:sup>
@@ -27572,7 +27831,7 @@
             </p:txBody>
           </p:sp>
         </mc:Choice>
-        <mc:Fallback>
+        <mc:Fallback xmlns="">
           <p:sp>
             <p:nvSpPr>
               <p:cNvPr id="3" name="コンテンツ プレースホルダー 2">
@@ -28364,8 +28623,8 @@
           </a:p>
         </p:txBody>
       </p:sp>
-      <mc:AlternateContent xmlns:mc="http://schemas.openxmlformats.org/markup-compatibility/2006">
-        <mc:Choice xmlns:a14="http://schemas.microsoft.com/office/drawing/2010/main" Requires="a14">
+      <mc:AlternateContent xmlns:mc="http://schemas.openxmlformats.org/markup-compatibility/2006" xmlns:a14="http://schemas.microsoft.com/office/drawing/2010/main">
+        <mc:Choice Requires="a14">
           <p:sp>
             <p:nvSpPr>
               <p:cNvPr id="3" name="コンテンツ プレースホルダー 2">
@@ -29245,7 +29504,7 @@
             </p:txBody>
           </p:sp>
         </mc:Choice>
-        <mc:Fallback>
+        <mc:Fallback xmlns="">
           <p:sp>
             <p:nvSpPr>
               <p:cNvPr id="3" name="コンテンツ プレースホルダー 2">
@@ -29614,8 +29873,8 @@
           </a:fontRef>
         </p:style>
       </p:cxnSp>
-      <mc:AlternateContent xmlns:mc="http://schemas.openxmlformats.org/markup-compatibility/2006">
-        <mc:Choice xmlns:a14="http://schemas.microsoft.com/office/drawing/2010/main" Requires="a14">
+      <mc:AlternateContent xmlns:mc="http://schemas.openxmlformats.org/markup-compatibility/2006" xmlns:a14="http://schemas.microsoft.com/office/drawing/2010/main">
+        <mc:Choice Requires="a14">
           <p:sp>
             <p:nvSpPr>
               <p:cNvPr id="16" name="テキスト ボックス 15">
@@ -29644,6 +29903,7 @@
               </a:bodyPr>
               <a:lstStyle/>
               <a:p>
+                <a:pPr/>
                 <a14:m>
                   <m:oMathPara xmlns:m="http://schemas.openxmlformats.org/officeDocument/2006/math">
                     <m:oMathParaPr>
@@ -29670,7 +29930,7 @@
             </p:txBody>
           </p:sp>
         </mc:Choice>
-        <mc:Fallback>
+        <mc:Fallback xmlns="">
           <p:sp>
             <p:nvSpPr>
               <p:cNvPr id="16" name="テキスト ボックス 15">
@@ -29715,8 +29975,8 @@
           </p:sp>
         </mc:Fallback>
       </mc:AlternateContent>
-      <mc:AlternateContent xmlns:mc="http://schemas.openxmlformats.org/markup-compatibility/2006">
-        <mc:Choice xmlns:a14="http://schemas.microsoft.com/office/drawing/2010/main" Requires="a14">
+      <mc:AlternateContent xmlns:mc="http://schemas.openxmlformats.org/markup-compatibility/2006" xmlns:a14="http://schemas.microsoft.com/office/drawing/2010/main">
+        <mc:Choice Requires="a14">
           <p:sp>
             <p:nvSpPr>
               <p:cNvPr id="17" name="テキスト ボックス 16">
@@ -29764,7 +30024,7 @@
             </p:txBody>
           </p:sp>
         </mc:Choice>
-        <mc:Fallback>
+        <mc:Fallback xmlns="">
           <p:sp>
             <p:nvSpPr>
               <p:cNvPr id="17" name="テキスト ボックス 16">
@@ -29809,8 +30069,8 @@
           </p:sp>
         </mc:Fallback>
       </mc:AlternateContent>
-      <mc:AlternateContent xmlns:mc="http://schemas.openxmlformats.org/markup-compatibility/2006">
-        <mc:Choice xmlns:a14="http://schemas.microsoft.com/office/drawing/2010/main" Requires="a14">
+      <mc:AlternateContent xmlns:mc="http://schemas.openxmlformats.org/markup-compatibility/2006" xmlns:a14="http://schemas.microsoft.com/office/drawing/2010/main">
+        <mc:Choice Requires="a14">
           <p:sp>
             <p:nvSpPr>
               <p:cNvPr id="18" name="テキスト ボックス 17">
@@ -29839,6 +30099,7 @@
               </a:bodyPr>
               <a:lstStyle/>
               <a:p>
+                <a:pPr/>
                 <a14:m>
                   <m:oMathPara xmlns:m="http://schemas.openxmlformats.org/officeDocument/2006/math">
                     <m:oMathParaPr>
@@ -29878,7 +30139,7 @@
             </p:txBody>
           </p:sp>
         </mc:Choice>
-        <mc:Fallback>
+        <mc:Fallback xmlns="">
           <p:sp>
             <p:nvSpPr>
               <p:cNvPr id="18" name="テキスト ボックス 17">
@@ -29923,8 +30184,8 @@
           </p:sp>
         </mc:Fallback>
       </mc:AlternateContent>
-      <mc:AlternateContent xmlns:mc="http://schemas.openxmlformats.org/markup-compatibility/2006">
-        <mc:Choice xmlns:a14="http://schemas.microsoft.com/office/drawing/2010/main" Requires="a14">
+      <mc:AlternateContent xmlns:mc="http://schemas.openxmlformats.org/markup-compatibility/2006" xmlns:a14="http://schemas.microsoft.com/office/drawing/2010/main">
+        <mc:Choice Requires="a14">
           <p:sp>
             <p:nvSpPr>
               <p:cNvPr id="19" name="テキスト ボックス 18">
@@ -29953,6 +30214,7 @@
               </a:bodyPr>
               <a:lstStyle/>
               <a:p>
+                <a:pPr/>
                 <a14:m>
                   <m:oMathPara xmlns:m="http://schemas.openxmlformats.org/officeDocument/2006/math">
                     <m:oMathParaPr>
@@ -29992,7 +30254,7 @@
             </p:txBody>
           </p:sp>
         </mc:Choice>
-        <mc:Fallback>
+        <mc:Fallback xmlns="">
           <p:sp>
             <p:nvSpPr>
               <p:cNvPr id="19" name="テキスト ボックス 18">
@@ -30037,8 +30299,8 @@
           </p:sp>
         </mc:Fallback>
       </mc:AlternateContent>
-      <mc:AlternateContent xmlns:mc="http://schemas.openxmlformats.org/markup-compatibility/2006">
-        <mc:Choice xmlns:a14="http://schemas.microsoft.com/office/drawing/2010/main" Requires="a14">
+      <mc:AlternateContent xmlns:mc="http://schemas.openxmlformats.org/markup-compatibility/2006" xmlns:a14="http://schemas.microsoft.com/office/drawing/2010/main">
+        <mc:Choice Requires="a14">
           <p:sp>
             <p:nvSpPr>
               <p:cNvPr id="20" name="テキスト ボックス 19">
@@ -30067,6 +30329,7 @@
               </a:bodyPr>
               <a:lstStyle/>
               <a:p>
+                <a:pPr/>
                 <a14:m>
                   <m:oMathPara xmlns:m="http://schemas.openxmlformats.org/officeDocument/2006/math">
                     <m:oMathParaPr>
@@ -30106,7 +30369,7 @@
             </p:txBody>
           </p:sp>
         </mc:Choice>
-        <mc:Fallback>
+        <mc:Fallback xmlns="">
           <p:sp>
             <p:nvSpPr>
               <p:cNvPr id="20" name="テキスト ボックス 19">
@@ -30151,8 +30414,8 @@
           </p:sp>
         </mc:Fallback>
       </mc:AlternateContent>
-      <mc:AlternateContent xmlns:mc="http://schemas.openxmlformats.org/markup-compatibility/2006">
-        <mc:Choice xmlns:a14="http://schemas.microsoft.com/office/drawing/2010/main" Requires="a14">
+      <mc:AlternateContent xmlns:mc="http://schemas.openxmlformats.org/markup-compatibility/2006" xmlns:a14="http://schemas.microsoft.com/office/drawing/2010/main">
+        <mc:Choice Requires="a14">
           <p:sp>
             <p:nvSpPr>
               <p:cNvPr id="21" name="テキスト ボックス 20">
@@ -30181,6 +30444,7 @@
               </a:bodyPr>
               <a:lstStyle/>
               <a:p>
+                <a:pPr/>
                 <a14:m>
                   <m:oMathPara xmlns:m="http://schemas.openxmlformats.org/officeDocument/2006/math">
                     <m:oMathParaPr>
@@ -30220,7 +30484,7 @@
             </p:txBody>
           </p:sp>
         </mc:Choice>
-        <mc:Fallback>
+        <mc:Fallback xmlns="">
           <p:sp>
             <p:nvSpPr>
               <p:cNvPr id="21" name="テキスト ボックス 20">
@@ -30265,8 +30529,8 @@
           </p:sp>
         </mc:Fallback>
       </mc:AlternateContent>
-      <mc:AlternateContent xmlns:mc="http://schemas.openxmlformats.org/markup-compatibility/2006">
-        <mc:Choice xmlns:a14="http://schemas.microsoft.com/office/drawing/2010/main" Requires="a14">
+      <mc:AlternateContent xmlns:mc="http://schemas.openxmlformats.org/markup-compatibility/2006" xmlns:a14="http://schemas.microsoft.com/office/drawing/2010/main">
+        <mc:Choice Requires="a14">
           <p:sp>
             <p:nvSpPr>
               <p:cNvPr id="22" name="テキスト ボックス 21">
@@ -30295,6 +30559,7 @@
               </a:bodyPr>
               <a:lstStyle/>
               <a:p>
+                <a:pPr/>
                 <a14:m>
                   <m:oMathPara xmlns:m="http://schemas.openxmlformats.org/officeDocument/2006/math">
                     <m:oMathParaPr>
@@ -30334,7 +30599,7 @@
             </p:txBody>
           </p:sp>
         </mc:Choice>
-        <mc:Fallback>
+        <mc:Fallback xmlns="">
           <p:sp>
             <p:nvSpPr>
               <p:cNvPr id="22" name="テキスト ボックス 21">
@@ -30379,8 +30644,8 @@
           </p:sp>
         </mc:Fallback>
       </mc:AlternateContent>
-      <mc:AlternateContent xmlns:mc="http://schemas.openxmlformats.org/markup-compatibility/2006">
-        <mc:Choice xmlns:a14="http://schemas.microsoft.com/office/drawing/2010/main" Requires="a14">
+      <mc:AlternateContent xmlns:mc="http://schemas.openxmlformats.org/markup-compatibility/2006" xmlns:a14="http://schemas.microsoft.com/office/drawing/2010/main">
+        <mc:Choice Requires="a14">
           <p:sp>
             <p:nvSpPr>
               <p:cNvPr id="23" name="テキスト ボックス 22">
@@ -30409,6 +30674,7 @@
               </a:bodyPr>
               <a:lstStyle/>
               <a:p>
+                <a:pPr/>
                 <a14:m>
                   <m:oMathPara xmlns:m="http://schemas.openxmlformats.org/officeDocument/2006/math">
                     <m:oMathParaPr>
@@ -30448,7 +30714,7 @@
             </p:txBody>
           </p:sp>
         </mc:Choice>
-        <mc:Fallback>
+        <mc:Fallback xmlns="">
           <p:sp>
             <p:nvSpPr>
               <p:cNvPr id="23" name="テキスト ボックス 22">
@@ -30493,8 +30759,8 @@
           </p:sp>
         </mc:Fallback>
       </mc:AlternateContent>
-      <mc:AlternateContent xmlns:mc="http://schemas.openxmlformats.org/markup-compatibility/2006">
-        <mc:Choice xmlns:a14="http://schemas.microsoft.com/office/drawing/2010/main" Requires="a14">
+      <mc:AlternateContent xmlns:mc="http://schemas.openxmlformats.org/markup-compatibility/2006" xmlns:a14="http://schemas.microsoft.com/office/drawing/2010/main">
+        <mc:Choice Requires="a14">
           <p:sp>
             <p:nvSpPr>
               <p:cNvPr id="24" name="テキスト ボックス 23">
@@ -30523,6 +30789,7 @@
               </a:bodyPr>
               <a:lstStyle/>
               <a:p>
+                <a:pPr/>
                 <a14:m>
                   <m:oMathPara xmlns:m="http://schemas.openxmlformats.org/officeDocument/2006/math">
                     <m:oMathParaPr>
@@ -30562,7 +30829,7 @@
             </p:txBody>
           </p:sp>
         </mc:Choice>
-        <mc:Fallback>
+        <mc:Fallback xmlns="">
           <p:sp>
             <p:nvSpPr>
               <p:cNvPr id="24" name="テキスト ボックス 23">
@@ -30607,8 +30874,8 @@
           </p:sp>
         </mc:Fallback>
       </mc:AlternateContent>
-      <mc:AlternateContent xmlns:mc="http://schemas.openxmlformats.org/markup-compatibility/2006">
-        <mc:Choice xmlns:a14="http://schemas.microsoft.com/office/drawing/2010/main" Requires="a14">
+      <mc:AlternateContent xmlns:mc="http://schemas.openxmlformats.org/markup-compatibility/2006" xmlns:a14="http://schemas.microsoft.com/office/drawing/2010/main">
+        <mc:Choice Requires="a14">
           <p:sp>
             <p:nvSpPr>
               <p:cNvPr id="25" name="テキスト ボックス 24">
@@ -30637,6 +30904,7 @@
               </a:bodyPr>
               <a:lstStyle/>
               <a:p>
+                <a:pPr/>
                 <a14:m>
                   <m:oMathPara xmlns:m="http://schemas.openxmlformats.org/officeDocument/2006/math">
                     <m:oMathParaPr>
@@ -30676,7 +30944,7 @@
             </p:txBody>
           </p:sp>
         </mc:Choice>
-        <mc:Fallback>
+        <mc:Fallback xmlns="">
           <p:sp>
             <p:nvSpPr>
               <p:cNvPr id="25" name="テキスト ボックス 24">
@@ -30721,8 +30989,8 @@
           </p:sp>
         </mc:Fallback>
       </mc:AlternateContent>
-      <mc:AlternateContent xmlns:mc="http://schemas.openxmlformats.org/markup-compatibility/2006">
-        <mc:Choice xmlns:a14="http://schemas.microsoft.com/office/drawing/2010/main" Requires="a14">
+      <mc:AlternateContent xmlns:mc="http://schemas.openxmlformats.org/markup-compatibility/2006" xmlns:a14="http://schemas.microsoft.com/office/drawing/2010/main">
+        <mc:Choice Requires="a14">
           <p:sp>
             <p:nvSpPr>
               <p:cNvPr id="26" name="テキスト ボックス 25">
@@ -30781,7 +31049,7 @@
             </p:txBody>
           </p:sp>
         </mc:Choice>
-        <mc:Fallback>
+        <mc:Fallback xmlns="">
           <p:sp>
             <p:nvSpPr>
               <p:cNvPr id="26" name="テキスト ボックス 25">
@@ -30909,8 +31177,8 @@
           </a:p>
         </p:txBody>
       </p:sp>
-      <mc:AlternateContent xmlns:mc="http://schemas.openxmlformats.org/markup-compatibility/2006">
-        <mc:Choice xmlns:a14="http://schemas.microsoft.com/office/drawing/2010/main" Requires="a14">
+      <mc:AlternateContent xmlns:mc="http://schemas.openxmlformats.org/markup-compatibility/2006" xmlns:a14="http://schemas.microsoft.com/office/drawing/2010/main">
+        <mc:Choice Requires="a14">
           <p:sp>
             <p:nvSpPr>
               <p:cNvPr id="3" name="コンテンツ プレースホルダー 2">
@@ -32215,14 +32483,7 @@
                                               <a:latin typeface="Cambria Math" panose="02040503050406030204" pitchFamily="18" charset="0"/>
                                               <a:ea typeface="游明朝" panose="02020400000000000000" pitchFamily="18" charset="-128"/>
                                             </a:rPr>
-                                            <m:t>𝜕</m:t>
-                                          </m:r>
-                                          <m:r>
-                                            <a:rPr lang="en-US" altLang="ja-JP" sz="2000" i="1">
-                                              <a:latin typeface="Cambria Math" panose="02040503050406030204" pitchFamily="18" charset="0"/>
-                                              <a:ea typeface="游明朝" panose="02020400000000000000" pitchFamily="18" charset="-128"/>
-                                            </a:rPr>
-                                            <m:t>𝜙</m:t>
+                                            <m:t>𝜕𝜙</m:t>
                                           </m:r>
                                         </m:num>
                                         <m:den>
@@ -32313,14 +32574,7 @@
                                               <a:latin typeface="Cambria Math" panose="02040503050406030204" pitchFamily="18" charset="0"/>
                                               <a:ea typeface="游明朝" panose="02020400000000000000" pitchFamily="18" charset="-128"/>
                                             </a:rPr>
-                                            <m:t>𝜕</m:t>
-                                          </m:r>
-                                          <m:r>
-                                            <a:rPr lang="en-US" altLang="ja-JP" sz="2000" i="1">
-                                              <a:latin typeface="Cambria Math" panose="02040503050406030204" pitchFamily="18" charset="0"/>
-                                              <a:ea typeface="游明朝" panose="02020400000000000000" pitchFamily="18" charset="-128"/>
-                                            </a:rPr>
-                                            <m:t>𝜙</m:t>
+                                            <m:t>𝜕𝜙</m:t>
                                           </m:r>
                                         </m:num>
                                         <m:den>
@@ -33647,7 +33901,7 @@
             </p:txBody>
           </p:sp>
         </mc:Choice>
-        <mc:Fallback>
+        <mc:Fallback xmlns="">
           <p:sp>
             <p:nvSpPr>
               <p:cNvPr id="3" name="コンテンツ プレースホルダー 2">
@@ -33795,8 +34049,8 @@
           </a:p>
         </p:txBody>
       </p:sp>
-      <mc:AlternateContent xmlns:mc="http://schemas.openxmlformats.org/markup-compatibility/2006">
-        <mc:Choice xmlns:a14="http://schemas.microsoft.com/office/drawing/2010/main" Requires="a14">
+      <mc:AlternateContent xmlns:mc="http://schemas.openxmlformats.org/markup-compatibility/2006" xmlns:a14="http://schemas.microsoft.com/office/drawing/2010/main">
+        <mc:Choice Requires="a14">
           <p:sp>
             <p:nvSpPr>
               <p:cNvPr id="3" name="コンテンツ プレースホルダー 2">
@@ -35322,7 +35576,7 @@
                         <m:eqArrPr>
                           <m:ctrlPr>
                             <a:rPr lang="en-US" altLang="ja-JP" sz="2000" i="1">
-                              <a:latin typeface="游明朝" panose="02020400000000000000" pitchFamily="18" charset="-128"/>
+                              <a:latin typeface="Cambria Math" panose="02040503050406030204" pitchFamily="18" charset="0"/>
                               <a:ea typeface="游明朝" panose="02020400000000000000" pitchFamily="18" charset="-128"/>
                             </a:rPr>
                           </m:ctrlPr>
@@ -35706,7 +35960,7 @@
             </p:txBody>
           </p:sp>
         </mc:Choice>
-        <mc:Fallback>
+        <mc:Fallback xmlns="">
           <p:sp>
             <p:nvSpPr>
               <p:cNvPr id="3" name="コンテンツ プレースホルダー 2">
